--- a/communication/MyMD_Project.pptx
+++ b/communication/MyMD_Project.pptx
@@ -5,7 +5,7 @@
     <p:sldMasterId id="2147483648" r:id="rId1"/>
   </p:sldMasterIdLst>
   <p:notesMasterIdLst>
-    <p:notesMasterId r:id="rId7"/>
+    <p:notesMasterId r:id="rId15"/>
   </p:notesMasterIdLst>
   <p:sldIdLst>
     <p:sldId id="312" r:id="rId2"/>
@@ -13,6 +13,14 @@
     <p:sldId id="321" r:id="rId4"/>
     <p:sldId id="322" r:id="rId5"/>
     <p:sldId id="323" r:id="rId6"/>
+    <p:sldId id="325" r:id="rId7"/>
+    <p:sldId id="326" r:id="rId8"/>
+    <p:sldId id="327" r:id="rId9"/>
+    <p:sldId id="328" r:id="rId10"/>
+    <p:sldId id="329" r:id="rId11"/>
+    <p:sldId id="330" r:id="rId12"/>
+    <p:sldId id="331" r:id="rId13"/>
+    <p:sldId id="332" r:id="rId14"/>
   </p:sldIdLst>
   <p:sldSz cx="9144000" cy="6858000" type="screen4x3"/>
   <p:notesSz cx="7099300" cy="10234613"/>
@@ -253,7 +261,7 @@
               <a:pPr>
                 <a:defRPr/>
               </a:pPr>
-              <a:t>3/21/2013</a:t>
+              <a:t>3/22/13</a:t>
             </a:fld>
             <a:endParaRPr lang="en-US"/>
           </a:p>
@@ -442,7 +450,7 @@
               <a:pPr>
                 <a:defRPr/>
               </a:pPr>
-              <a:t>‹Nr.›</a:t>
+              <a:t>‹#›</a:t>
             </a:fld>
             <a:endParaRPr lang="en-US"/>
           </a:p>
@@ -619,7 +627,7 @@
             <a:tailEnd/>
           </a:ln>
           <a:extLst>
-            <a:ext uri="{909E8E84-426E-40DD-AFC4-6F175D3DCCD1}">
+            <a:ext uri="{909E8E84-426E-40dd-AFC4-6F175D3DCCD1}">
               <a14:hiddenFill xmlns:a14="http://schemas.microsoft.com/office/drawing/2010/main">
                 <a:solidFill>
                   <a:srgbClr val="FFFFFF"/>
@@ -642,14 +650,14 @@
         <p:spPr bwMode="auto">
           <a:noFill/>
           <a:extLst>
-            <a:ext uri="{909E8E84-426E-40DD-AFC4-6F175D3DCCD1}">
+            <a:ext uri="{909E8E84-426E-40dd-AFC4-6F175D3DCCD1}">
               <a14:hiddenFill xmlns:a14="http://schemas.microsoft.com/office/drawing/2010/main">
                 <a:solidFill>
                   <a:srgbClr val="FFFFFF"/>
                 </a:solidFill>
               </a14:hiddenFill>
             </a:ext>
-            <a:ext uri="{91240B29-F687-4F45-9708-019B960494DF}">
+            <a:ext uri="{91240B29-F687-4f45-9708-019B960494DF}">
               <a14:hiddenLine xmlns:a14="http://schemas.microsoft.com/office/drawing/2010/main" w="9525">
                 <a:solidFill>
                   <a:srgbClr val="000000"/>
@@ -939,7 +947,7 @@
               <a:pPr>
                 <a:defRPr/>
               </a:pPr>
-              <a:t>3/21/2013</a:t>
+              <a:t>3/22/13</a:t>
             </a:fld>
             <a:endParaRPr lang="en-US"/>
           </a:p>
@@ -998,7 +1006,7 @@
               <a:pPr>
                 <a:defRPr/>
               </a:pPr>
-              <a:t>‹Nr.›</a:t>
+              <a:t>‹#›</a:t>
             </a:fld>
             <a:endParaRPr lang="en-US"/>
           </a:p>
@@ -1136,7 +1144,7 @@
               <a:pPr>
                 <a:defRPr/>
               </a:pPr>
-              <a:t>3/21/2013</a:t>
+              <a:t>3/22/13</a:t>
             </a:fld>
             <a:endParaRPr lang="en-US"/>
           </a:p>
@@ -1195,7 +1203,7 @@
               <a:pPr>
                 <a:defRPr/>
               </a:pPr>
-              <a:t>‹Nr.›</a:t>
+              <a:t>‹#›</a:t>
             </a:fld>
             <a:endParaRPr lang="en-US"/>
           </a:p>
@@ -1343,7 +1351,7 @@
               <a:pPr>
                 <a:defRPr/>
               </a:pPr>
-              <a:t>3/21/2013</a:t>
+              <a:t>3/22/13</a:t>
             </a:fld>
             <a:endParaRPr lang="en-US"/>
           </a:p>
@@ -1402,7 +1410,7 @@
               <a:pPr>
                 <a:defRPr/>
               </a:pPr>
-              <a:t>‹Nr.›</a:t>
+              <a:t>‹#›</a:t>
             </a:fld>
             <a:endParaRPr lang="en-US"/>
           </a:p>
@@ -1540,7 +1548,7 @@
               <a:pPr>
                 <a:defRPr/>
               </a:pPr>
-              <a:t>3/21/2013</a:t>
+              <a:t>3/22/13</a:t>
             </a:fld>
             <a:endParaRPr lang="en-US"/>
           </a:p>
@@ -1599,7 +1607,7 @@
               <a:pPr>
                 <a:defRPr/>
               </a:pPr>
-              <a:t>‹Nr.›</a:t>
+              <a:t>‹#›</a:t>
             </a:fld>
             <a:endParaRPr lang="en-US"/>
           </a:p>
@@ -1813,7 +1821,7 @@
               <a:pPr>
                 <a:defRPr/>
               </a:pPr>
-              <a:t>3/21/2013</a:t>
+              <a:t>3/22/13</a:t>
             </a:fld>
             <a:endParaRPr lang="en-US"/>
           </a:p>
@@ -1872,7 +1880,7 @@
               <a:pPr>
                 <a:defRPr/>
               </a:pPr>
-              <a:t>‹Nr.›</a:t>
+              <a:t>‹#›</a:t>
             </a:fld>
             <a:endParaRPr lang="en-US"/>
           </a:p>
@@ -2128,7 +2136,7 @@
               <a:pPr>
                 <a:defRPr/>
               </a:pPr>
-              <a:t>3/21/2013</a:t>
+              <a:t>3/22/13</a:t>
             </a:fld>
             <a:endParaRPr lang="en-US"/>
           </a:p>
@@ -2187,7 +2195,7 @@
               <a:pPr>
                 <a:defRPr/>
               </a:pPr>
-              <a:t>‹Nr.›</a:t>
+              <a:t>‹#›</a:t>
             </a:fld>
             <a:endParaRPr lang="en-US"/>
           </a:p>
@@ -2577,7 +2585,7 @@
               <a:pPr>
                 <a:defRPr/>
               </a:pPr>
-              <a:t>3/21/2013</a:t>
+              <a:t>3/22/13</a:t>
             </a:fld>
             <a:endParaRPr lang="en-US"/>
           </a:p>
@@ -2636,7 +2644,7 @@
               <a:pPr>
                 <a:defRPr/>
               </a:pPr>
-              <a:t>‹Nr.›</a:t>
+              <a:t>‹#›</a:t>
             </a:fld>
             <a:endParaRPr lang="en-US"/>
           </a:p>
@@ -2722,7 +2730,7 @@
               <a:pPr>
                 <a:defRPr/>
               </a:pPr>
-              <a:t>3/21/2013</a:t>
+              <a:t>3/22/13</a:t>
             </a:fld>
             <a:endParaRPr lang="en-US"/>
           </a:p>
@@ -2781,7 +2789,7 @@
               <a:pPr>
                 <a:defRPr/>
               </a:pPr>
-              <a:t>‹Nr.›</a:t>
+              <a:t>‹#›</a:t>
             </a:fld>
             <a:endParaRPr lang="en-US"/>
           </a:p>
@@ -2844,7 +2852,7 @@
               <a:pPr>
                 <a:defRPr/>
               </a:pPr>
-              <a:t>3/21/2013</a:t>
+              <a:t>3/22/13</a:t>
             </a:fld>
             <a:endParaRPr lang="en-US"/>
           </a:p>
@@ -2903,7 +2911,7 @@
               <a:pPr>
                 <a:defRPr/>
               </a:pPr>
-              <a:t>‹Nr.›</a:t>
+              <a:t>‹#›</a:t>
             </a:fld>
             <a:endParaRPr lang="en-US"/>
           </a:p>
@@ -3148,7 +3156,7 @@
               <a:pPr>
                 <a:defRPr/>
               </a:pPr>
-              <a:t>3/21/2013</a:t>
+              <a:t>3/22/13</a:t>
             </a:fld>
             <a:endParaRPr lang="en-US"/>
           </a:p>
@@ -3207,7 +3215,7 @@
               <a:pPr>
                 <a:defRPr/>
               </a:pPr>
-              <a:t>‹Nr.›</a:t>
+              <a:t>‹#›</a:t>
             </a:fld>
             <a:endParaRPr lang="en-US"/>
           </a:p>
@@ -3431,7 +3439,7 @@
               <a:pPr>
                 <a:defRPr/>
               </a:pPr>
-              <a:t>3/21/2013</a:t>
+              <a:t>3/22/13</a:t>
             </a:fld>
             <a:endParaRPr lang="en-US"/>
           </a:p>
@@ -3490,7 +3498,7 @@
               <a:pPr>
                 <a:defRPr/>
               </a:pPr>
-              <a:t>‹Nr.›</a:t>
+              <a:t>‹#›</a:t>
             </a:fld>
             <a:endParaRPr lang="en-US"/>
           </a:p>
@@ -3554,14 +3562,14 @@
             <a:noFill/>
           </a:ln>
           <a:extLst>
-            <a:ext uri="{909E8E84-426E-40DD-AFC4-6F175D3DCCD1}">
+            <a:ext uri="{909E8E84-426E-40dd-AFC4-6F175D3DCCD1}">
               <a14:hiddenFill xmlns:a14="http://schemas.microsoft.com/office/drawing/2010/main">
                 <a:solidFill>
                   <a:srgbClr val="FFFFFF"/>
                 </a:solidFill>
               </a14:hiddenFill>
             </a:ext>
-            <a:ext uri="{91240B29-F687-4F45-9708-019B960494DF}">
+            <a:ext uri="{91240B29-F687-4f45-9708-019B960494DF}">
               <a14:hiddenLine xmlns:a14="http://schemas.microsoft.com/office/drawing/2010/main" w="9525">
                 <a:solidFill>
                   <a:srgbClr val="000000"/>
@@ -3612,14 +3620,14 @@
             <a:noFill/>
           </a:ln>
           <a:extLst>
-            <a:ext uri="{909E8E84-426E-40DD-AFC4-6F175D3DCCD1}">
+            <a:ext uri="{909E8E84-426E-40dd-AFC4-6F175D3DCCD1}">
               <a14:hiddenFill xmlns:a14="http://schemas.microsoft.com/office/drawing/2010/main">
                 <a:solidFill>
                   <a:srgbClr val="FFFFFF"/>
                 </a:solidFill>
               </a14:hiddenFill>
             </a:ext>
-            <a:ext uri="{91240B29-F687-4F45-9708-019B960494DF}">
+            <a:ext uri="{91240B29-F687-4f45-9708-019B960494DF}">
               <a14:hiddenLine xmlns:a14="http://schemas.microsoft.com/office/drawing/2010/main" w="9525">
                 <a:solidFill>
                   <a:srgbClr val="000000"/>
@@ -3724,7 +3732,7 @@
               <a:pPr>
                 <a:defRPr/>
               </a:pPr>
-              <a:t>3/21/2013</a:t>
+              <a:t>3/22/13</a:t>
             </a:fld>
             <a:endParaRPr lang="en-US"/>
           </a:p>
@@ -3827,7 +3835,7 @@
               <a:pPr>
                 <a:defRPr/>
               </a:pPr>
-              <a:t>‹Nr.›</a:t>
+              <a:t>‹#›</a:t>
             </a:fld>
             <a:endParaRPr lang="en-US"/>
           </a:p>
@@ -4282,14 +4290,14 @@
             <a:noFill/>
           </a:ln>
           <a:extLst>
-            <a:ext uri="{909E8E84-426E-40DD-AFC4-6F175D3DCCD1}">
+            <a:ext uri="{909E8E84-426E-40dd-AFC4-6F175D3DCCD1}">
               <a14:hiddenFill xmlns:a14="http://schemas.microsoft.com/office/drawing/2010/main">
                 <a:solidFill>
                   <a:schemeClr val="accent1"/>
                 </a:solidFill>
               </a14:hiddenFill>
             </a:ext>
-            <a:ext uri="{91240B29-F687-4F45-9708-019B960494DF}">
+            <a:ext uri="{91240B29-F687-4f45-9708-019B960494DF}">
               <a14:hiddenLine xmlns:a14="http://schemas.microsoft.com/office/drawing/2010/main" w="9525">
                 <a:solidFill>
                   <a:schemeClr val="tx1"/>
@@ -4371,7 +4379,7 @@
         <p:spPr bwMode="auto">
           <a:xfrm>
             <a:off x="1371600" y="2109653"/>
-            <a:ext cx="7626350" cy="2800767"/>
+            <a:ext cx="7626350" cy="2585323"/>
           </a:xfrm>
           <a:prstGeom prst="rect">
             <a:avLst/>
@@ -4381,14 +4389,14 @@
             <a:noFill/>
           </a:ln>
           <a:extLst>
-            <a:ext uri="{909E8E84-426E-40DD-AFC4-6F175D3DCCD1}">
+            <a:ext uri="{909E8E84-426E-40dd-AFC4-6F175D3DCCD1}">
               <a14:hiddenFill xmlns:a14="http://schemas.microsoft.com/office/drawing/2010/main">
                 <a:solidFill>
                   <a:srgbClr val="FFFFFF"/>
                 </a:solidFill>
               </a14:hiddenFill>
             </a:ext>
-            <a:ext uri="{91240B29-F687-4F45-9708-019B960494DF}">
+            <a:ext uri="{91240B29-F687-4f45-9708-019B960494DF}">
               <a14:hiddenLine xmlns:a14="http://schemas.microsoft.com/office/drawing/2010/main" w="9525">
                 <a:solidFill>
                   <a:srgbClr val="000000"/>
@@ -4557,23 +4565,19 @@
           </a:p>
           <a:p>
             <a:pPr eaLnBrk="1" hangingPunct="1"/>
-            <a:endParaRPr lang="en-US" sz="1400" b="1" dirty="0"/>
-          </a:p>
-          <a:p>
-            <a:pPr eaLnBrk="1" hangingPunct="1"/>
+            <a:r>
+              <a:rPr lang="en-GB" sz="1400" b="1" dirty="0" smtClean="0"/>
+              <a:t>Workshop </a:t>
+            </a:r>
             <a:r>
               <a:rPr lang="en-GB" sz="1400" b="1" dirty="0"/>
-              <a:t>Workshop on Computer Programming and Advanced Tools for Scientific Research Work</a:t>
+              <a:t>on Computer Programming and Advanced Tools for Scientific Research Work</a:t>
             </a:r>
             <a:endParaRPr lang="en-US" sz="1400" b="1" dirty="0" smtClean="0"/>
           </a:p>
           <a:p>
             <a:pPr eaLnBrk="1" hangingPunct="1"/>
             <a:endParaRPr lang="en-US" sz="1400" b="1" dirty="0" smtClean="0"/>
-          </a:p>
-          <a:p>
-            <a:pPr eaLnBrk="1" hangingPunct="1"/>
-            <a:endParaRPr lang="en-US" sz="1400" b="1" dirty="0"/>
           </a:p>
           <a:p>
             <a:pPr eaLnBrk="1" hangingPunct="1"/>
@@ -4627,13 +4631,6 @@
               </a:rPr>
               <a:t> Team</a:t>
             </a:r>
-            <a:endParaRPr lang="en-US" sz="1400" b="1" dirty="0" smtClean="0">
-              <a:solidFill>
-                <a:schemeClr val="bg1">
-                  <a:lumMod val="50000"/>
-                </a:schemeClr>
-              </a:solidFill>
-            </a:endParaRPr>
           </a:p>
           <a:p>
             <a:pPr eaLnBrk="1" hangingPunct="1"/>
@@ -4657,13 +4654,6 @@
               </a:rPr>
               <a:t>, Trieste</a:t>
             </a:r>
-            <a:endParaRPr lang="en-US" sz="1000" b="1" dirty="0" smtClean="0">
-              <a:solidFill>
-                <a:schemeClr val="bg1">
-                  <a:lumMod val="75000"/>
-                </a:schemeClr>
-              </a:solidFill>
-            </a:endParaRPr>
           </a:p>
         </p:txBody>
       </p:sp>
@@ -4781,6 +4771,99 @@
           </a:p>
         </p:txBody>
       </p:sp>
+      <p:sp>
+        <p:nvSpPr>
+          <p:cNvPr id="3" name="TextBox 2"/>
+          <p:cNvSpPr txBox="1"/>
+          <p:nvPr/>
+        </p:nvSpPr>
+        <p:spPr>
+          <a:xfrm>
+            <a:off x="1371600" y="5257800"/>
+            <a:ext cx="7391400" cy="646331"/>
+          </a:xfrm>
+          <a:prstGeom prst="rect">
+            <a:avLst/>
+          </a:prstGeom>
+          <a:noFill/>
+        </p:spPr>
+        <p:txBody>
+          <a:bodyPr wrap="square" rtlCol="0">
+            <a:spAutoFit/>
+          </a:bodyPr>
+          <a:lstStyle/>
+          <a:p>
+            <a:r>
+              <a:rPr lang="en-US" sz="1400" b="1" dirty="0">
+                <a:solidFill>
+                  <a:srgbClr val="FF0000"/>
+                </a:solidFill>
+              </a:rPr>
+              <a:t>Get the code:</a:t>
+            </a:r>
+            <a:r>
+              <a:rPr lang="en-US" sz="1400" b="1" dirty="0"/>
+              <a:t> </a:t>
+            </a:r>
+            <a:r>
+              <a:rPr lang="en-US" b="1" dirty="0" err="1">
+                <a:latin typeface="Microsoft Yi Baiti"/>
+                <a:cs typeface="Microsoft Yi Baiti"/>
+              </a:rPr>
+              <a:t>git</a:t>
+            </a:r>
+            <a:r>
+              <a:rPr lang="en-US" b="1" dirty="0">
+                <a:latin typeface="Microsoft Yi Baiti"/>
+                <a:cs typeface="Microsoft Yi Baiti"/>
+              </a:rPr>
+              <a:t> clone https://</a:t>
+            </a:r>
+            <a:r>
+              <a:rPr lang="en-US" b="1" dirty="0" err="1">
+                <a:latin typeface="Microsoft Yi Baiti"/>
+                <a:cs typeface="Microsoft Yi Baiti"/>
+              </a:rPr>
+              <a:t>github.com</a:t>
+            </a:r>
+            <a:r>
+              <a:rPr lang="en-US" b="1" dirty="0">
+                <a:latin typeface="Microsoft Yi Baiti"/>
+                <a:cs typeface="Microsoft Yi Baiti"/>
+              </a:rPr>
+              <a:t>/</a:t>
+            </a:r>
+            <a:r>
+              <a:rPr lang="en-US" b="1" dirty="0" err="1">
+                <a:latin typeface="Microsoft Yi Baiti"/>
+                <a:cs typeface="Microsoft Yi Baiti"/>
+              </a:rPr>
+              <a:t>Rhouli</a:t>
+            </a:r>
+            <a:r>
+              <a:rPr lang="en-US" b="1" dirty="0">
+                <a:latin typeface="Microsoft Yi Baiti"/>
+                <a:cs typeface="Microsoft Yi Baiti"/>
+              </a:rPr>
+              <a:t>/</a:t>
+            </a:r>
+            <a:r>
+              <a:rPr lang="en-US" b="1" dirty="0" err="1">
+                <a:latin typeface="Microsoft Yi Baiti"/>
+                <a:cs typeface="Microsoft Yi Baiti"/>
+              </a:rPr>
+              <a:t>ljmd-c.git</a:t>
+            </a:r>
+            <a:endParaRPr lang="en-US" b="1" dirty="0">
+              <a:latin typeface="Microsoft Yi Baiti"/>
+              <a:cs typeface="Microsoft Yi Baiti"/>
+            </a:endParaRPr>
+          </a:p>
+          <a:p>
+            <a:endParaRPr lang="en-US" dirty="0"/>
+          </a:p>
+        </p:txBody>
+      </p:sp>
     </p:spTree>
     <p:extLst>
       <p:ext uri="{BB962C8B-B14F-4D97-AF65-F5344CB8AC3E}">
@@ -4794,14 +4877,14 @@
   <p:timing>
     <p:tnLst>
       <p:par>
-        <p:cTn id="1" dur="indefinite" restart="never" nodeType="tmRoot"/>
+        <p:cTn xmlns:p14="http://schemas.microsoft.com/office/powerpoint/2010/main" id="1" dur="indefinite" restart="never" nodeType="tmRoot"/>
       </p:par>
     </p:tnLst>
   </p:timing>
 </p:sld>
 </file>
 
-<file path=ppt/slides/slide2.xml><?xml version="1.0" encoding="utf-8"?>
+<file path=ppt/slides/slide10.xml><?xml version="1.0" encoding="utf-8"?>
 <p:sld xmlns:a="http://schemas.openxmlformats.org/drawingml/2006/main" xmlns:r="http://schemas.openxmlformats.org/officeDocument/2006/relationships" xmlns:p="http://schemas.openxmlformats.org/presentationml/2006/main">
   <p:cSld>
     <p:spTree>
@@ -5013,7 +5096,7 @@
           <a:p>
             <a:r>
               <a:rPr lang="en-US" sz="3600" b="1" cap="all" dirty="0" smtClean="0"/>
-              <a:t>Project  Management</a:t>
+              <a:t>Example</a:t>
             </a:r>
             <a:endParaRPr lang="en-US" sz="3600" b="1" cap="all" dirty="0"/>
           </a:p>
@@ -5118,14 +5201,2363 @@
             <a:noFill/>
           </a:ln>
           <a:extLst>
-            <a:ext uri="{909E8E84-426E-40DD-AFC4-6F175D3DCCD1}">
+            <a:ext uri="{909E8E84-426E-40dd-AFC4-6F175D3DCCD1}">
               <a14:hiddenFill xmlns:a14="http://schemas.microsoft.com/office/drawing/2010/main">
                 <a:solidFill>
                   <a:srgbClr val="FFFFFF"/>
                 </a:solidFill>
               </a14:hiddenFill>
             </a:ext>
-            <a:ext uri="{91240B29-F687-4F45-9708-019B960494DF}">
+            <a:ext uri="{91240B29-F687-4f45-9708-019B960494DF}">
+              <a14:hiddenLine xmlns:a14="http://schemas.microsoft.com/office/drawing/2010/main" w="9525">
+                <a:solidFill>
+                  <a:srgbClr val="000000"/>
+                </a:solidFill>
+                <a:miter lim="800000"/>
+                <a:headEnd/>
+                <a:tailEnd/>
+              </a14:hiddenLine>
+            </a:ext>
+          </a:extLst>
+        </p:spPr>
+        <p:txBody>
+          <a:bodyPr>
+            <a:spAutoFit/>
+          </a:bodyPr>
+          <a:lstStyle>
+            <a:lvl1pPr eaLnBrk="0" hangingPunct="0">
+              <a:tabLst>
+                <a:tab pos="6232525" algn="ctr"/>
+                <a:tab pos="8913813" algn="r"/>
+              </a:tabLst>
+              <a:defRPr>
+                <a:solidFill>
+                  <a:schemeClr val="tx1"/>
+                </a:solidFill>
+                <a:latin typeface="Arial" charset="0"/>
+                <a:cs typeface="Arial" charset="0"/>
+              </a:defRPr>
+            </a:lvl1pPr>
+            <a:lvl2pPr marL="742950" indent="-285750" eaLnBrk="0" hangingPunct="0">
+              <a:tabLst>
+                <a:tab pos="6232525" algn="ctr"/>
+                <a:tab pos="8913813" algn="r"/>
+              </a:tabLst>
+              <a:defRPr>
+                <a:solidFill>
+                  <a:schemeClr val="tx1"/>
+                </a:solidFill>
+                <a:latin typeface="Arial" charset="0"/>
+                <a:cs typeface="Arial" charset="0"/>
+              </a:defRPr>
+            </a:lvl2pPr>
+            <a:lvl3pPr marL="1143000" indent="-228600" eaLnBrk="0" hangingPunct="0">
+              <a:tabLst>
+                <a:tab pos="6232525" algn="ctr"/>
+                <a:tab pos="8913813" algn="r"/>
+              </a:tabLst>
+              <a:defRPr>
+                <a:solidFill>
+                  <a:schemeClr val="tx1"/>
+                </a:solidFill>
+                <a:latin typeface="Arial" charset="0"/>
+                <a:cs typeface="Arial" charset="0"/>
+              </a:defRPr>
+            </a:lvl3pPr>
+            <a:lvl4pPr marL="1600200" indent="-228600" eaLnBrk="0" hangingPunct="0">
+              <a:tabLst>
+                <a:tab pos="6232525" algn="ctr"/>
+                <a:tab pos="8913813" algn="r"/>
+              </a:tabLst>
+              <a:defRPr>
+                <a:solidFill>
+                  <a:schemeClr val="tx1"/>
+                </a:solidFill>
+                <a:latin typeface="Arial" charset="0"/>
+                <a:cs typeface="Arial" charset="0"/>
+              </a:defRPr>
+            </a:lvl4pPr>
+            <a:lvl5pPr marL="2057400" indent="-228600" eaLnBrk="0" hangingPunct="0">
+              <a:tabLst>
+                <a:tab pos="6232525" algn="ctr"/>
+                <a:tab pos="8913813" algn="r"/>
+              </a:tabLst>
+              <a:defRPr>
+                <a:solidFill>
+                  <a:schemeClr val="tx1"/>
+                </a:solidFill>
+                <a:latin typeface="Arial" charset="0"/>
+                <a:cs typeface="Arial" charset="0"/>
+              </a:defRPr>
+            </a:lvl5pPr>
+            <a:lvl6pPr marL="2514600" indent="-228600" eaLnBrk="0" fontAlgn="base" hangingPunct="0">
+              <a:spcBef>
+                <a:spcPct val="0"/>
+              </a:spcBef>
+              <a:spcAft>
+                <a:spcPct val="0"/>
+              </a:spcAft>
+              <a:tabLst>
+                <a:tab pos="6232525" algn="ctr"/>
+                <a:tab pos="8913813" algn="r"/>
+              </a:tabLst>
+              <a:defRPr>
+                <a:solidFill>
+                  <a:schemeClr val="tx1"/>
+                </a:solidFill>
+                <a:latin typeface="Arial" charset="0"/>
+                <a:cs typeface="Arial" charset="0"/>
+              </a:defRPr>
+            </a:lvl6pPr>
+            <a:lvl7pPr marL="2971800" indent="-228600" eaLnBrk="0" fontAlgn="base" hangingPunct="0">
+              <a:spcBef>
+                <a:spcPct val="0"/>
+              </a:spcBef>
+              <a:spcAft>
+                <a:spcPct val="0"/>
+              </a:spcAft>
+              <a:tabLst>
+                <a:tab pos="6232525" algn="ctr"/>
+                <a:tab pos="8913813" algn="r"/>
+              </a:tabLst>
+              <a:defRPr>
+                <a:solidFill>
+                  <a:schemeClr val="tx1"/>
+                </a:solidFill>
+                <a:latin typeface="Arial" charset="0"/>
+                <a:cs typeface="Arial" charset="0"/>
+              </a:defRPr>
+            </a:lvl7pPr>
+            <a:lvl8pPr marL="3429000" indent="-228600" eaLnBrk="0" fontAlgn="base" hangingPunct="0">
+              <a:spcBef>
+                <a:spcPct val="0"/>
+              </a:spcBef>
+              <a:spcAft>
+                <a:spcPct val="0"/>
+              </a:spcAft>
+              <a:tabLst>
+                <a:tab pos="6232525" algn="ctr"/>
+                <a:tab pos="8913813" algn="r"/>
+              </a:tabLst>
+              <a:defRPr>
+                <a:solidFill>
+                  <a:schemeClr val="tx1"/>
+                </a:solidFill>
+                <a:latin typeface="Arial" charset="0"/>
+                <a:cs typeface="Arial" charset="0"/>
+              </a:defRPr>
+            </a:lvl8pPr>
+            <a:lvl9pPr marL="3886200" indent="-228600" eaLnBrk="0" fontAlgn="base" hangingPunct="0">
+              <a:spcBef>
+                <a:spcPct val="0"/>
+              </a:spcBef>
+              <a:spcAft>
+                <a:spcPct val="0"/>
+              </a:spcAft>
+              <a:tabLst>
+                <a:tab pos="6232525" algn="ctr"/>
+                <a:tab pos="8913813" algn="r"/>
+              </a:tabLst>
+              <a:defRPr>
+                <a:solidFill>
+                  <a:schemeClr val="tx1"/>
+                </a:solidFill>
+                <a:latin typeface="Arial" charset="0"/>
+                <a:cs typeface="Arial" charset="0"/>
+              </a:defRPr>
+            </a:lvl9pPr>
+          </a:lstStyle>
+          <a:p>
+            <a:pPr eaLnBrk="1" hangingPunct="1">
+              <a:tabLst>
+                <a:tab pos="6511925" algn="ctr"/>
+                <a:tab pos="8913813" algn="r"/>
+              </a:tabLst>
+            </a:pPr>
+            <a:r>
+              <a:rPr lang="en-GB" sz="900" dirty="0"/>
+              <a:t>Workshop on Computer Programming and Advanced Tools for Scientific Research Work</a:t>
+            </a:r>
+            <a:r>
+              <a:rPr lang="en-US" sz="900" dirty="0"/>
+              <a:t>	Manuel Proissl	</a:t>
+            </a:r>
+            <a:fld id="{D1FE0D4B-1F7D-4BCE-8D61-646A4526EF42}" type="slidenum">
+              <a:rPr lang="en-US" sz="900"/>
+              <a:pPr eaLnBrk="1" hangingPunct="1">
+                <a:tabLst>
+                  <a:tab pos="6511925" algn="ctr"/>
+                  <a:tab pos="8913813" algn="r"/>
+                </a:tabLst>
+              </a:pPr>
+              <a:t>10</a:t>
+            </a:fld>
+            <a:endParaRPr lang="en-US" sz="900" dirty="0"/>
+          </a:p>
+        </p:txBody>
+      </p:sp>
+      <p:pic>
+        <p:nvPicPr>
+          <p:cNvPr id="4" name="Picture 3"/>
+          <p:cNvPicPr>
+            <a:picLocks noChangeAspect="1"/>
+          </p:cNvPicPr>
+          <p:nvPr/>
+        </p:nvPicPr>
+        <p:blipFill>
+          <a:blip r:embed="rId2"/>
+          <a:stretch>
+            <a:fillRect/>
+          </a:stretch>
+        </p:blipFill>
+        <p:spPr>
+          <a:xfrm>
+            <a:off x="0" y="1219200"/>
+            <a:ext cx="9144000" cy="4413993"/>
+          </a:xfrm>
+          <a:prstGeom prst="rect">
+            <a:avLst/>
+          </a:prstGeom>
+        </p:spPr>
+      </p:pic>
+    </p:spTree>
+    <p:extLst>
+      <p:ext uri="{BB962C8B-B14F-4D97-AF65-F5344CB8AC3E}">
+        <p14:creationId xmlns:p14="http://schemas.microsoft.com/office/powerpoint/2010/main" val="3460699236"/>
+      </p:ext>
+    </p:extLst>
+  </p:cSld>
+  <p:clrMapOvr>
+    <a:masterClrMapping/>
+  </p:clrMapOvr>
+  <p:timing>
+    <p:tnLst>
+      <p:par>
+        <p:cTn xmlns:p14="http://schemas.microsoft.com/office/powerpoint/2010/main" id="1" dur="indefinite" restart="never" nodeType="tmRoot"/>
+      </p:par>
+    </p:tnLst>
+  </p:timing>
+</p:sld>
+</file>
+
+<file path=ppt/slides/slide11.xml><?xml version="1.0" encoding="utf-8"?>
+<p:sld xmlns:a="http://schemas.openxmlformats.org/drawingml/2006/main" xmlns:r="http://schemas.openxmlformats.org/officeDocument/2006/relationships" xmlns:p="http://schemas.openxmlformats.org/presentationml/2006/main">
+  <p:cSld>
+    <p:spTree>
+      <p:nvGrpSpPr>
+        <p:cNvPr id="1" name=""/>
+        <p:cNvGrpSpPr/>
+        <p:nvPr/>
+      </p:nvGrpSpPr>
+      <p:grpSpPr>
+        <a:xfrm>
+          <a:off x="0" y="0"/>
+          <a:ext cx="0" cy="0"/>
+          <a:chOff x="0" y="0"/>
+          <a:chExt cx="0" cy="0"/>
+        </a:xfrm>
+      </p:grpSpPr>
+      <p:sp>
+        <p:nvSpPr>
+          <p:cNvPr id="14" name="Rechteck 13"/>
+          <p:cNvSpPr/>
+          <p:nvPr/>
+        </p:nvSpPr>
+        <p:spPr>
+          <a:xfrm>
+            <a:off x="-6350" y="228600"/>
+            <a:ext cx="9150350" cy="685800"/>
+          </a:xfrm>
+          <a:prstGeom prst="rect">
+            <a:avLst/>
+          </a:prstGeom>
+          <a:solidFill>
+            <a:srgbClr val="FF9900"/>
+          </a:solidFill>
+          <a:ln>
+            <a:noFill/>
+          </a:ln>
+          <a:effectLst>
+            <a:outerShdw blurRad="50800" dist="38100" dir="2700000" algn="tl" rotWithShape="0">
+              <a:prstClr val="black">
+                <a:alpha val="40000"/>
+              </a:prstClr>
+            </a:outerShdw>
+          </a:effectLst>
+        </p:spPr>
+        <p:style>
+          <a:lnRef idx="2">
+            <a:schemeClr val="dk1">
+              <a:shade val="50000"/>
+            </a:schemeClr>
+          </a:lnRef>
+          <a:fillRef idx="1">
+            <a:schemeClr val="dk1"/>
+          </a:fillRef>
+          <a:effectRef idx="0">
+            <a:schemeClr val="dk1"/>
+          </a:effectRef>
+          <a:fontRef idx="minor">
+            <a:schemeClr val="lt1"/>
+          </a:fontRef>
+        </p:style>
+        <p:txBody>
+          <a:bodyPr rtlCol="0" anchor="ctr"/>
+          <a:lstStyle/>
+          <a:p>
+            <a:pPr algn="ctr"/>
+            <a:endParaRPr lang="en-US">
+              <a:solidFill>
+                <a:srgbClr val="FF9933"/>
+              </a:solidFill>
+            </a:endParaRPr>
+          </a:p>
+        </p:txBody>
+      </p:sp>
+      <p:sp>
+        <p:nvSpPr>
+          <p:cNvPr id="15" name="Rechteck 14"/>
+          <p:cNvSpPr/>
+          <p:nvPr/>
+        </p:nvSpPr>
+        <p:spPr>
+          <a:xfrm>
+            <a:off x="-6350" y="0"/>
+            <a:ext cx="9150350" cy="228600"/>
+          </a:xfrm>
+          <a:prstGeom prst="rect">
+            <a:avLst/>
+          </a:prstGeom>
+          <a:solidFill>
+            <a:schemeClr val="tx1"/>
+          </a:solidFill>
+          <a:ln>
+            <a:noFill/>
+          </a:ln>
+          <a:effectLst>
+            <a:outerShdw blurRad="50800" dist="38100" dir="2700000" algn="tl" rotWithShape="0">
+              <a:prstClr val="black">
+                <a:alpha val="40000"/>
+              </a:prstClr>
+            </a:outerShdw>
+          </a:effectLst>
+        </p:spPr>
+        <p:style>
+          <a:lnRef idx="2">
+            <a:schemeClr val="dk1">
+              <a:shade val="50000"/>
+            </a:schemeClr>
+          </a:lnRef>
+          <a:fillRef idx="1">
+            <a:schemeClr val="dk1"/>
+          </a:fillRef>
+          <a:effectRef idx="0">
+            <a:schemeClr val="dk1"/>
+          </a:effectRef>
+          <a:fontRef idx="minor">
+            <a:schemeClr val="lt1"/>
+          </a:fontRef>
+        </p:style>
+        <p:txBody>
+          <a:bodyPr rtlCol="0" anchor="ctr"/>
+          <a:lstStyle/>
+          <a:p>
+            <a:pPr algn="ctr"/>
+            <a:endParaRPr lang="en-US">
+              <a:solidFill>
+                <a:srgbClr val="FF9933"/>
+              </a:solidFill>
+            </a:endParaRPr>
+          </a:p>
+        </p:txBody>
+      </p:sp>
+      <p:sp>
+        <p:nvSpPr>
+          <p:cNvPr id="17" name="Rechteck 16"/>
+          <p:cNvSpPr/>
+          <p:nvPr/>
+        </p:nvSpPr>
+        <p:spPr>
+          <a:xfrm>
+            <a:off x="-6350" y="6629400"/>
+            <a:ext cx="9150350" cy="228600"/>
+          </a:xfrm>
+          <a:prstGeom prst="rect">
+            <a:avLst/>
+          </a:prstGeom>
+          <a:solidFill>
+            <a:srgbClr val="FF9900"/>
+          </a:solidFill>
+          <a:ln>
+            <a:noFill/>
+          </a:ln>
+          <a:effectLst>
+            <a:outerShdw blurRad="50800" dist="38100" dir="18900000" algn="bl" rotWithShape="0">
+              <a:prstClr val="black">
+                <a:alpha val="40000"/>
+              </a:prstClr>
+            </a:outerShdw>
+          </a:effectLst>
+        </p:spPr>
+        <p:style>
+          <a:lnRef idx="2">
+            <a:schemeClr val="dk1">
+              <a:shade val="50000"/>
+            </a:schemeClr>
+          </a:lnRef>
+          <a:fillRef idx="1">
+            <a:schemeClr val="dk1"/>
+          </a:fillRef>
+          <a:effectRef idx="0">
+            <a:schemeClr val="dk1"/>
+          </a:effectRef>
+          <a:fontRef idx="minor">
+            <a:schemeClr val="lt1"/>
+          </a:fontRef>
+        </p:style>
+        <p:txBody>
+          <a:bodyPr rtlCol="0" anchor="ctr"/>
+          <a:lstStyle/>
+          <a:p>
+            <a:pPr algn="ctr"/>
+            <a:endParaRPr lang="en-US">
+              <a:solidFill>
+                <a:srgbClr val="FF9933"/>
+              </a:solidFill>
+            </a:endParaRPr>
+          </a:p>
+        </p:txBody>
+      </p:sp>
+      <p:sp>
+        <p:nvSpPr>
+          <p:cNvPr id="2" name="Textfeld 1"/>
+          <p:cNvSpPr txBox="1"/>
+          <p:nvPr/>
+        </p:nvSpPr>
+        <p:spPr>
+          <a:xfrm>
+            <a:off x="0" y="268069"/>
+            <a:ext cx="9144000" cy="646331"/>
+          </a:xfrm>
+          <a:prstGeom prst="rect">
+            <a:avLst/>
+          </a:prstGeom>
+          <a:noFill/>
+        </p:spPr>
+        <p:txBody>
+          <a:bodyPr wrap="square" rtlCol="0">
+            <a:spAutoFit/>
+          </a:bodyPr>
+          <a:lstStyle/>
+          <a:p>
+            <a:r>
+              <a:rPr lang="en-US" sz="3600" b="1" cap="all" dirty="0" smtClean="0"/>
+              <a:t>Example</a:t>
+            </a:r>
+            <a:endParaRPr lang="en-US" sz="3600" b="1" cap="all" dirty="0"/>
+          </a:p>
+        </p:txBody>
+      </p:sp>
+      <p:sp>
+        <p:nvSpPr>
+          <p:cNvPr id="3" name="Textfeld 2"/>
+          <p:cNvSpPr txBox="1"/>
+          <p:nvPr/>
+        </p:nvSpPr>
+        <p:spPr>
+          <a:xfrm>
+            <a:off x="0" y="0"/>
+            <a:ext cx="8534400" cy="215444"/>
+          </a:xfrm>
+          <a:prstGeom prst="rect">
+            <a:avLst/>
+          </a:prstGeom>
+          <a:noFill/>
+        </p:spPr>
+        <p:txBody>
+          <a:bodyPr wrap="square" rtlCol="0">
+            <a:spAutoFit/>
+          </a:bodyPr>
+          <a:lstStyle/>
+          <a:p>
+            <a:r>
+              <a:rPr lang="it-IT" sz="800" b="1" cap="all" dirty="0" err="1" smtClean="0">
+                <a:solidFill>
+                  <a:schemeClr val="bg1"/>
+                </a:solidFill>
+              </a:rPr>
+              <a:t>MyMD</a:t>
+            </a:r>
+            <a:r>
+              <a:rPr lang="it-IT" sz="800" b="1" cap="all" dirty="0" smtClean="0">
+                <a:solidFill>
+                  <a:schemeClr val="bg1"/>
+                </a:solidFill>
+              </a:rPr>
+              <a:t>. A </a:t>
+            </a:r>
+            <a:r>
+              <a:rPr lang="it-IT" sz="800" b="1" cap="all" dirty="0" err="1" smtClean="0">
+                <a:solidFill>
+                  <a:schemeClr val="bg1"/>
+                </a:solidFill>
+              </a:rPr>
+              <a:t>program</a:t>
+            </a:r>
+            <a:r>
+              <a:rPr lang="it-IT" sz="800" b="1" cap="all" dirty="0" smtClean="0">
+                <a:solidFill>
+                  <a:schemeClr val="bg1"/>
+                </a:solidFill>
+              </a:rPr>
+              <a:t> with </a:t>
+            </a:r>
+            <a:r>
+              <a:rPr lang="it-IT" sz="800" b="1" cap="all" dirty="0" err="1" smtClean="0">
+                <a:solidFill>
+                  <a:schemeClr val="bg1"/>
+                </a:solidFill>
+              </a:rPr>
+              <a:t>potential</a:t>
+            </a:r>
+            <a:r>
+              <a:rPr lang="it-IT" sz="800" b="1" cap="all" dirty="0" smtClean="0">
+                <a:solidFill>
+                  <a:schemeClr val="bg1"/>
+                </a:solidFill>
+              </a:rPr>
+              <a:t>…</a:t>
+            </a:r>
+            <a:endParaRPr lang="en-US" sz="800" b="1" cap="all" dirty="0">
+              <a:solidFill>
+                <a:schemeClr val="bg1"/>
+              </a:solidFill>
+            </a:endParaRPr>
+          </a:p>
+        </p:txBody>
+      </p:sp>
+      <p:sp>
+        <p:nvSpPr>
+          <p:cNvPr id="18" name="TextBox 8"/>
+          <p:cNvSpPr txBox="1">
+            <a:spLocks noChangeArrowheads="1"/>
+          </p:cNvSpPr>
+          <p:nvPr/>
+        </p:nvSpPr>
+        <p:spPr bwMode="auto">
+          <a:xfrm>
+            <a:off x="0" y="6642100"/>
+            <a:ext cx="9144000" cy="230832"/>
+          </a:xfrm>
+          <a:prstGeom prst="rect">
+            <a:avLst/>
+          </a:prstGeom>
+          <a:noFill/>
+          <a:ln>
+            <a:noFill/>
+          </a:ln>
+          <a:extLst>
+            <a:ext uri="{909E8E84-426E-40dd-AFC4-6F175D3DCCD1}">
+              <a14:hiddenFill xmlns:a14="http://schemas.microsoft.com/office/drawing/2010/main">
+                <a:solidFill>
+                  <a:srgbClr val="FFFFFF"/>
+                </a:solidFill>
+              </a14:hiddenFill>
+            </a:ext>
+            <a:ext uri="{91240B29-F687-4f45-9708-019B960494DF}">
+              <a14:hiddenLine xmlns:a14="http://schemas.microsoft.com/office/drawing/2010/main" w="9525">
+                <a:solidFill>
+                  <a:srgbClr val="000000"/>
+                </a:solidFill>
+                <a:miter lim="800000"/>
+                <a:headEnd/>
+                <a:tailEnd/>
+              </a14:hiddenLine>
+            </a:ext>
+          </a:extLst>
+        </p:spPr>
+        <p:txBody>
+          <a:bodyPr>
+            <a:spAutoFit/>
+          </a:bodyPr>
+          <a:lstStyle>
+            <a:lvl1pPr eaLnBrk="0" hangingPunct="0">
+              <a:tabLst>
+                <a:tab pos="6232525" algn="ctr"/>
+                <a:tab pos="8913813" algn="r"/>
+              </a:tabLst>
+              <a:defRPr>
+                <a:solidFill>
+                  <a:schemeClr val="tx1"/>
+                </a:solidFill>
+                <a:latin typeface="Arial" charset="0"/>
+                <a:cs typeface="Arial" charset="0"/>
+              </a:defRPr>
+            </a:lvl1pPr>
+            <a:lvl2pPr marL="742950" indent="-285750" eaLnBrk="0" hangingPunct="0">
+              <a:tabLst>
+                <a:tab pos="6232525" algn="ctr"/>
+                <a:tab pos="8913813" algn="r"/>
+              </a:tabLst>
+              <a:defRPr>
+                <a:solidFill>
+                  <a:schemeClr val="tx1"/>
+                </a:solidFill>
+                <a:latin typeface="Arial" charset="0"/>
+                <a:cs typeface="Arial" charset="0"/>
+              </a:defRPr>
+            </a:lvl2pPr>
+            <a:lvl3pPr marL="1143000" indent="-228600" eaLnBrk="0" hangingPunct="0">
+              <a:tabLst>
+                <a:tab pos="6232525" algn="ctr"/>
+                <a:tab pos="8913813" algn="r"/>
+              </a:tabLst>
+              <a:defRPr>
+                <a:solidFill>
+                  <a:schemeClr val="tx1"/>
+                </a:solidFill>
+                <a:latin typeface="Arial" charset="0"/>
+                <a:cs typeface="Arial" charset="0"/>
+              </a:defRPr>
+            </a:lvl3pPr>
+            <a:lvl4pPr marL="1600200" indent="-228600" eaLnBrk="0" hangingPunct="0">
+              <a:tabLst>
+                <a:tab pos="6232525" algn="ctr"/>
+                <a:tab pos="8913813" algn="r"/>
+              </a:tabLst>
+              <a:defRPr>
+                <a:solidFill>
+                  <a:schemeClr val="tx1"/>
+                </a:solidFill>
+                <a:latin typeface="Arial" charset="0"/>
+                <a:cs typeface="Arial" charset="0"/>
+              </a:defRPr>
+            </a:lvl4pPr>
+            <a:lvl5pPr marL="2057400" indent="-228600" eaLnBrk="0" hangingPunct="0">
+              <a:tabLst>
+                <a:tab pos="6232525" algn="ctr"/>
+                <a:tab pos="8913813" algn="r"/>
+              </a:tabLst>
+              <a:defRPr>
+                <a:solidFill>
+                  <a:schemeClr val="tx1"/>
+                </a:solidFill>
+                <a:latin typeface="Arial" charset="0"/>
+                <a:cs typeface="Arial" charset="0"/>
+              </a:defRPr>
+            </a:lvl5pPr>
+            <a:lvl6pPr marL="2514600" indent="-228600" eaLnBrk="0" fontAlgn="base" hangingPunct="0">
+              <a:spcBef>
+                <a:spcPct val="0"/>
+              </a:spcBef>
+              <a:spcAft>
+                <a:spcPct val="0"/>
+              </a:spcAft>
+              <a:tabLst>
+                <a:tab pos="6232525" algn="ctr"/>
+                <a:tab pos="8913813" algn="r"/>
+              </a:tabLst>
+              <a:defRPr>
+                <a:solidFill>
+                  <a:schemeClr val="tx1"/>
+                </a:solidFill>
+                <a:latin typeface="Arial" charset="0"/>
+                <a:cs typeface="Arial" charset="0"/>
+              </a:defRPr>
+            </a:lvl6pPr>
+            <a:lvl7pPr marL="2971800" indent="-228600" eaLnBrk="0" fontAlgn="base" hangingPunct="0">
+              <a:spcBef>
+                <a:spcPct val="0"/>
+              </a:spcBef>
+              <a:spcAft>
+                <a:spcPct val="0"/>
+              </a:spcAft>
+              <a:tabLst>
+                <a:tab pos="6232525" algn="ctr"/>
+                <a:tab pos="8913813" algn="r"/>
+              </a:tabLst>
+              <a:defRPr>
+                <a:solidFill>
+                  <a:schemeClr val="tx1"/>
+                </a:solidFill>
+                <a:latin typeface="Arial" charset="0"/>
+                <a:cs typeface="Arial" charset="0"/>
+              </a:defRPr>
+            </a:lvl7pPr>
+            <a:lvl8pPr marL="3429000" indent="-228600" eaLnBrk="0" fontAlgn="base" hangingPunct="0">
+              <a:spcBef>
+                <a:spcPct val="0"/>
+              </a:spcBef>
+              <a:spcAft>
+                <a:spcPct val="0"/>
+              </a:spcAft>
+              <a:tabLst>
+                <a:tab pos="6232525" algn="ctr"/>
+                <a:tab pos="8913813" algn="r"/>
+              </a:tabLst>
+              <a:defRPr>
+                <a:solidFill>
+                  <a:schemeClr val="tx1"/>
+                </a:solidFill>
+                <a:latin typeface="Arial" charset="0"/>
+                <a:cs typeface="Arial" charset="0"/>
+              </a:defRPr>
+            </a:lvl8pPr>
+            <a:lvl9pPr marL="3886200" indent="-228600" eaLnBrk="0" fontAlgn="base" hangingPunct="0">
+              <a:spcBef>
+                <a:spcPct val="0"/>
+              </a:spcBef>
+              <a:spcAft>
+                <a:spcPct val="0"/>
+              </a:spcAft>
+              <a:tabLst>
+                <a:tab pos="6232525" algn="ctr"/>
+                <a:tab pos="8913813" algn="r"/>
+              </a:tabLst>
+              <a:defRPr>
+                <a:solidFill>
+                  <a:schemeClr val="tx1"/>
+                </a:solidFill>
+                <a:latin typeface="Arial" charset="0"/>
+                <a:cs typeface="Arial" charset="0"/>
+              </a:defRPr>
+            </a:lvl9pPr>
+          </a:lstStyle>
+          <a:p>
+            <a:pPr eaLnBrk="1" hangingPunct="1">
+              <a:tabLst>
+                <a:tab pos="6511925" algn="ctr"/>
+                <a:tab pos="8913813" algn="r"/>
+              </a:tabLst>
+            </a:pPr>
+            <a:r>
+              <a:rPr lang="en-GB" sz="900" dirty="0"/>
+              <a:t>Workshop on Computer Programming and Advanced Tools for Scientific Research Work</a:t>
+            </a:r>
+            <a:r>
+              <a:rPr lang="en-US" sz="900" dirty="0"/>
+              <a:t>	Manuel Proissl	</a:t>
+            </a:r>
+            <a:fld id="{D1FE0D4B-1F7D-4BCE-8D61-646A4526EF42}" type="slidenum">
+              <a:rPr lang="en-US" sz="900"/>
+              <a:pPr eaLnBrk="1" hangingPunct="1">
+                <a:tabLst>
+                  <a:tab pos="6511925" algn="ctr"/>
+                  <a:tab pos="8913813" algn="r"/>
+                </a:tabLst>
+              </a:pPr>
+              <a:t>11</a:t>
+            </a:fld>
+            <a:endParaRPr lang="en-US" sz="900" dirty="0"/>
+          </a:p>
+        </p:txBody>
+      </p:sp>
+      <p:pic>
+        <p:nvPicPr>
+          <p:cNvPr id="5" name="Picture 4"/>
+          <p:cNvPicPr>
+            <a:picLocks noChangeAspect="1"/>
+          </p:cNvPicPr>
+          <p:nvPr/>
+        </p:nvPicPr>
+        <p:blipFill>
+          <a:blip r:embed="rId2"/>
+          <a:stretch>
+            <a:fillRect/>
+          </a:stretch>
+        </p:blipFill>
+        <p:spPr>
+          <a:xfrm>
+            <a:off x="152400" y="1371600"/>
+            <a:ext cx="4686498" cy="4579174"/>
+          </a:xfrm>
+          <a:prstGeom prst="rect">
+            <a:avLst/>
+          </a:prstGeom>
+        </p:spPr>
+      </p:pic>
+      <p:pic>
+        <p:nvPicPr>
+          <p:cNvPr id="6" name="Picture 5"/>
+          <p:cNvPicPr>
+            <a:picLocks noChangeAspect="1"/>
+          </p:cNvPicPr>
+          <p:nvPr/>
+        </p:nvPicPr>
+        <p:blipFill>
+          <a:blip r:embed="rId3"/>
+          <a:stretch>
+            <a:fillRect/>
+          </a:stretch>
+        </p:blipFill>
+        <p:spPr>
+          <a:xfrm>
+            <a:off x="4191000" y="1295400"/>
+            <a:ext cx="4864100" cy="4675492"/>
+          </a:xfrm>
+          <a:prstGeom prst="rect">
+            <a:avLst/>
+          </a:prstGeom>
+        </p:spPr>
+      </p:pic>
+    </p:spTree>
+    <p:extLst>
+      <p:ext uri="{BB962C8B-B14F-4D97-AF65-F5344CB8AC3E}">
+        <p14:creationId xmlns:p14="http://schemas.microsoft.com/office/powerpoint/2010/main" val="50862139"/>
+      </p:ext>
+    </p:extLst>
+  </p:cSld>
+  <p:clrMapOvr>
+    <a:masterClrMapping/>
+  </p:clrMapOvr>
+  <p:timing>
+    <p:tnLst>
+      <p:par>
+        <p:cTn xmlns:p14="http://schemas.microsoft.com/office/powerpoint/2010/main" id="1" dur="indefinite" restart="never" nodeType="tmRoot"/>
+      </p:par>
+    </p:tnLst>
+  </p:timing>
+</p:sld>
+</file>
+
+<file path=ppt/slides/slide12.xml><?xml version="1.0" encoding="utf-8"?>
+<p:sld xmlns:a="http://schemas.openxmlformats.org/drawingml/2006/main" xmlns:r="http://schemas.openxmlformats.org/officeDocument/2006/relationships" xmlns:p="http://schemas.openxmlformats.org/presentationml/2006/main">
+  <p:cSld>
+    <p:spTree>
+      <p:nvGrpSpPr>
+        <p:cNvPr id="1" name=""/>
+        <p:cNvGrpSpPr/>
+        <p:nvPr/>
+      </p:nvGrpSpPr>
+      <p:grpSpPr>
+        <a:xfrm>
+          <a:off x="0" y="0"/>
+          <a:ext cx="0" cy="0"/>
+          <a:chOff x="0" y="0"/>
+          <a:chExt cx="0" cy="0"/>
+        </a:xfrm>
+      </p:grpSpPr>
+      <p:sp>
+        <p:nvSpPr>
+          <p:cNvPr id="14" name="Rechteck 13"/>
+          <p:cNvSpPr/>
+          <p:nvPr/>
+        </p:nvSpPr>
+        <p:spPr>
+          <a:xfrm>
+            <a:off x="-6350" y="228600"/>
+            <a:ext cx="9150350" cy="685800"/>
+          </a:xfrm>
+          <a:prstGeom prst="rect">
+            <a:avLst/>
+          </a:prstGeom>
+          <a:solidFill>
+            <a:srgbClr val="FF9900"/>
+          </a:solidFill>
+          <a:ln>
+            <a:noFill/>
+          </a:ln>
+          <a:effectLst>
+            <a:outerShdw blurRad="50800" dist="38100" dir="2700000" algn="tl" rotWithShape="0">
+              <a:prstClr val="black">
+                <a:alpha val="40000"/>
+              </a:prstClr>
+            </a:outerShdw>
+          </a:effectLst>
+        </p:spPr>
+        <p:style>
+          <a:lnRef idx="2">
+            <a:schemeClr val="dk1">
+              <a:shade val="50000"/>
+            </a:schemeClr>
+          </a:lnRef>
+          <a:fillRef idx="1">
+            <a:schemeClr val="dk1"/>
+          </a:fillRef>
+          <a:effectRef idx="0">
+            <a:schemeClr val="dk1"/>
+          </a:effectRef>
+          <a:fontRef idx="minor">
+            <a:schemeClr val="lt1"/>
+          </a:fontRef>
+        </p:style>
+        <p:txBody>
+          <a:bodyPr rtlCol="0" anchor="ctr"/>
+          <a:lstStyle/>
+          <a:p>
+            <a:pPr algn="ctr"/>
+            <a:endParaRPr lang="en-US">
+              <a:solidFill>
+                <a:srgbClr val="FF9933"/>
+              </a:solidFill>
+            </a:endParaRPr>
+          </a:p>
+        </p:txBody>
+      </p:sp>
+      <p:sp>
+        <p:nvSpPr>
+          <p:cNvPr id="15" name="Rechteck 14"/>
+          <p:cNvSpPr/>
+          <p:nvPr/>
+        </p:nvSpPr>
+        <p:spPr>
+          <a:xfrm>
+            <a:off x="-6350" y="0"/>
+            <a:ext cx="9150350" cy="228600"/>
+          </a:xfrm>
+          <a:prstGeom prst="rect">
+            <a:avLst/>
+          </a:prstGeom>
+          <a:solidFill>
+            <a:schemeClr val="tx1"/>
+          </a:solidFill>
+          <a:ln>
+            <a:noFill/>
+          </a:ln>
+          <a:effectLst>
+            <a:outerShdw blurRad="50800" dist="38100" dir="2700000" algn="tl" rotWithShape="0">
+              <a:prstClr val="black">
+                <a:alpha val="40000"/>
+              </a:prstClr>
+            </a:outerShdw>
+          </a:effectLst>
+        </p:spPr>
+        <p:style>
+          <a:lnRef idx="2">
+            <a:schemeClr val="dk1">
+              <a:shade val="50000"/>
+            </a:schemeClr>
+          </a:lnRef>
+          <a:fillRef idx="1">
+            <a:schemeClr val="dk1"/>
+          </a:fillRef>
+          <a:effectRef idx="0">
+            <a:schemeClr val="dk1"/>
+          </a:effectRef>
+          <a:fontRef idx="minor">
+            <a:schemeClr val="lt1"/>
+          </a:fontRef>
+        </p:style>
+        <p:txBody>
+          <a:bodyPr rtlCol="0" anchor="ctr"/>
+          <a:lstStyle/>
+          <a:p>
+            <a:pPr algn="ctr"/>
+            <a:endParaRPr lang="en-US">
+              <a:solidFill>
+                <a:srgbClr val="FF9933"/>
+              </a:solidFill>
+            </a:endParaRPr>
+          </a:p>
+        </p:txBody>
+      </p:sp>
+      <p:sp>
+        <p:nvSpPr>
+          <p:cNvPr id="17" name="Rechteck 16"/>
+          <p:cNvSpPr/>
+          <p:nvPr/>
+        </p:nvSpPr>
+        <p:spPr>
+          <a:xfrm>
+            <a:off x="-6350" y="6629400"/>
+            <a:ext cx="9150350" cy="228600"/>
+          </a:xfrm>
+          <a:prstGeom prst="rect">
+            <a:avLst/>
+          </a:prstGeom>
+          <a:solidFill>
+            <a:srgbClr val="FF9900"/>
+          </a:solidFill>
+          <a:ln>
+            <a:noFill/>
+          </a:ln>
+          <a:effectLst>
+            <a:outerShdw blurRad="50800" dist="38100" dir="18900000" algn="bl" rotWithShape="0">
+              <a:prstClr val="black">
+                <a:alpha val="40000"/>
+              </a:prstClr>
+            </a:outerShdw>
+          </a:effectLst>
+        </p:spPr>
+        <p:style>
+          <a:lnRef idx="2">
+            <a:schemeClr val="dk1">
+              <a:shade val="50000"/>
+            </a:schemeClr>
+          </a:lnRef>
+          <a:fillRef idx="1">
+            <a:schemeClr val="dk1"/>
+          </a:fillRef>
+          <a:effectRef idx="0">
+            <a:schemeClr val="dk1"/>
+          </a:effectRef>
+          <a:fontRef idx="minor">
+            <a:schemeClr val="lt1"/>
+          </a:fontRef>
+        </p:style>
+        <p:txBody>
+          <a:bodyPr rtlCol="0" anchor="ctr"/>
+          <a:lstStyle/>
+          <a:p>
+            <a:pPr algn="ctr"/>
+            <a:endParaRPr lang="en-US">
+              <a:solidFill>
+                <a:srgbClr val="FF9933"/>
+              </a:solidFill>
+            </a:endParaRPr>
+          </a:p>
+        </p:txBody>
+      </p:sp>
+      <p:sp>
+        <p:nvSpPr>
+          <p:cNvPr id="2" name="Textfeld 1"/>
+          <p:cNvSpPr txBox="1"/>
+          <p:nvPr/>
+        </p:nvSpPr>
+        <p:spPr>
+          <a:xfrm>
+            <a:off x="0" y="268069"/>
+            <a:ext cx="9144000" cy="646331"/>
+          </a:xfrm>
+          <a:prstGeom prst="rect">
+            <a:avLst/>
+          </a:prstGeom>
+          <a:noFill/>
+        </p:spPr>
+        <p:txBody>
+          <a:bodyPr wrap="square" rtlCol="0">
+            <a:spAutoFit/>
+          </a:bodyPr>
+          <a:lstStyle/>
+          <a:p>
+            <a:r>
+              <a:rPr lang="en-US" sz="3600" b="1" cap="all" dirty="0" smtClean="0"/>
+              <a:t>Example</a:t>
+            </a:r>
+            <a:endParaRPr lang="en-US" sz="3600" b="1" cap="all" dirty="0"/>
+          </a:p>
+        </p:txBody>
+      </p:sp>
+      <p:sp>
+        <p:nvSpPr>
+          <p:cNvPr id="3" name="Textfeld 2"/>
+          <p:cNvSpPr txBox="1"/>
+          <p:nvPr/>
+        </p:nvSpPr>
+        <p:spPr>
+          <a:xfrm>
+            <a:off x="0" y="0"/>
+            <a:ext cx="8534400" cy="215444"/>
+          </a:xfrm>
+          <a:prstGeom prst="rect">
+            <a:avLst/>
+          </a:prstGeom>
+          <a:noFill/>
+        </p:spPr>
+        <p:txBody>
+          <a:bodyPr wrap="square" rtlCol="0">
+            <a:spAutoFit/>
+          </a:bodyPr>
+          <a:lstStyle/>
+          <a:p>
+            <a:r>
+              <a:rPr lang="it-IT" sz="800" b="1" cap="all" dirty="0" err="1" smtClean="0">
+                <a:solidFill>
+                  <a:schemeClr val="bg1"/>
+                </a:solidFill>
+              </a:rPr>
+              <a:t>MyMD</a:t>
+            </a:r>
+            <a:r>
+              <a:rPr lang="it-IT" sz="800" b="1" cap="all" dirty="0" smtClean="0">
+                <a:solidFill>
+                  <a:schemeClr val="bg1"/>
+                </a:solidFill>
+              </a:rPr>
+              <a:t>. A </a:t>
+            </a:r>
+            <a:r>
+              <a:rPr lang="it-IT" sz="800" b="1" cap="all" dirty="0" err="1" smtClean="0">
+                <a:solidFill>
+                  <a:schemeClr val="bg1"/>
+                </a:solidFill>
+              </a:rPr>
+              <a:t>program</a:t>
+            </a:r>
+            <a:r>
+              <a:rPr lang="it-IT" sz="800" b="1" cap="all" dirty="0" smtClean="0">
+                <a:solidFill>
+                  <a:schemeClr val="bg1"/>
+                </a:solidFill>
+              </a:rPr>
+              <a:t> with </a:t>
+            </a:r>
+            <a:r>
+              <a:rPr lang="it-IT" sz="800" b="1" cap="all" dirty="0" err="1" smtClean="0">
+                <a:solidFill>
+                  <a:schemeClr val="bg1"/>
+                </a:solidFill>
+              </a:rPr>
+              <a:t>potential</a:t>
+            </a:r>
+            <a:r>
+              <a:rPr lang="it-IT" sz="800" b="1" cap="all" dirty="0" smtClean="0">
+                <a:solidFill>
+                  <a:schemeClr val="bg1"/>
+                </a:solidFill>
+              </a:rPr>
+              <a:t>…</a:t>
+            </a:r>
+            <a:endParaRPr lang="en-US" sz="800" b="1" cap="all" dirty="0">
+              <a:solidFill>
+                <a:schemeClr val="bg1"/>
+              </a:solidFill>
+            </a:endParaRPr>
+          </a:p>
+        </p:txBody>
+      </p:sp>
+      <p:sp>
+        <p:nvSpPr>
+          <p:cNvPr id="18" name="TextBox 8"/>
+          <p:cNvSpPr txBox="1">
+            <a:spLocks noChangeArrowheads="1"/>
+          </p:cNvSpPr>
+          <p:nvPr/>
+        </p:nvSpPr>
+        <p:spPr bwMode="auto">
+          <a:xfrm>
+            <a:off x="0" y="6642100"/>
+            <a:ext cx="9144000" cy="230832"/>
+          </a:xfrm>
+          <a:prstGeom prst="rect">
+            <a:avLst/>
+          </a:prstGeom>
+          <a:noFill/>
+          <a:ln>
+            <a:noFill/>
+          </a:ln>
+          <a:extLst>
+            <a:ext uri="{909E8E84-426E-40dd-AFC4-6F175D3DCCD1}">
+              <a14:hiddenFill xmlns:a14="http://schemas.microsoft.com/office/drawing/2010/main">
+                <a:solidFill>
+                  <a:srgbClr val="FFFFFF"/>
+                </a:solidFill>
+              </a14:hiddenFill>
+            </a:ext>
+            <a:ext uri="{91240B29-F687-4f45-9708-019B960494DF}">
+              <a14:hiddenLine xmlns:a14="http://schemas.microsoft.com/office/drawing/2010/main" w="9525">
+                <a:solidFill>
+                  <a:srgbClr val="000000"/>
+                </a:solidFill>
+                <a:miter lim="800000"/>
+                <a:headEnd/>
+                <a:tailEnd/>
+              </a14:hiddenLine>
+            </a:ext>
+          </a:extLst>
+        </p:spPr>
+        <p:txBody>
+          <a:bodyPr>
+            <a:spAutoFit/>
+          </a:bodyPr>
+          <a:lstStyle>
+            <a:lvl1pPr eaLnBrk="0" hangingPunct="0">
+              <a:tabLst>
+                <a:tab pos="6232525" algn="ctr"/>
+                <a:tab pos="8913813" algn="r"/>
+              </a:tabLst>
+              <a:defRPr>
+                <a:solidFill>
+                  <a:schemeClr val="tx1"/>
+                </a:solidFill>
+                <a:latin typeface="Arial" charset="0"/>
+                <a:cs typeface="Arial" charset="0"/>
+              </a:defRPr>
+            </a:lvl1pPr>
+            <a:lvl2pPr marL="742950" indent="-285750" eaLnBrk="0" hangingPunct="0">
+              <a:tabLst>
+                <a:tab pos="6232525" algn="ctr"/>
+                <a:tab pos="8913813" algn="r"/>
+              </a:tabLst>
+              <a:defRPr>
+                <a:solidFill>
+                  <a:schemeClr val="tx1"/>
+                </a:solidFill>
+                <a:latin typeface="Arial" charset="0"/>
+                <a:cs typeface="Arial" charset="0"/>
+              </a:defRPr>
+            </a:lvl2pPr>
+            <a:lvl3pPr marL="1143000" indent="-228600" eaLnBrk="0" hangingPunct="0">
+              <a:tabLst>
+                <a:tab pos="6232525" algn="ctr"/>
+                <a:tab pos="8913813" algn="r"/>
+              </a:tabLst>
+              <a:defRPr>
+                <a:solidFill>
+                  <a:schemeClr val="tx1"/>
+                </a:solidFill>
+                <a:latin typeface="Arial" charset="0"/>
+                <a:cs typeface="Arial" charset="0"/>
+              </a:defRPr>
+            </a:lvl3pPr>
+            <a:lvl4pPr marL="1600200" indent="-228600" eaLnBrk="0" hangingPunct="0">
+              <a:tabLst>
+                <a:tab pos="6232525" algn="ctr"/>
+                <a:tab pos="8913813" algn="r"/>
+              </a:tabLst>
+              <a:defRPr>
+                <a:solidFill>
+                  <a:schemeClr val="tx1"/>
+                </a:solidFill>
+                <a:latin typeface="Arial" charset="0"/>
+                <a:cs typeface="Arial" charset="0"/>
+              </a:defRPr>
+            </a:lvl4pPr>
+            <a:lvl5pPr marL="2057400" indent="-228600" eaLnBrk="0" hangingPunct="0">
+              <a:tabLst>
+                <a:tab pos="6232525" algn="ctr"/>
+                <a:tab pos="8913813" algn="r"/>
+              </a:tabLst>
+              <a:defRPr>
+                <a:solidFill>
+                  <a:schemeClr val="tx1"/>
+                </a:solidFill>
+                <a:latin typeface="Arial" charset="0"/>
+                <a:cs typeface="Arial" charset="0"/>
+              </a:defRPr>
+            </a:lvl5pPr>
+            <a:lvl6pPr marL="2514600" indent="-228600" eaLnBrk="0" fontAlgn="base" hangingPunct="0">
+              <a:spcBef>
+                <a:spcPct val="0"/>
+              </a:spcBef>
+              <a:spcAft>
+                <a:spcPct val="0"/>
+              </a:spcAft>
+              <a:tabLst>
+                <a:tab pos="6232525" algn="ctr"/>
+                <a:tab pos="8913813" algn="r"/>
+              </a:tabLst>
+              <a:defRPr>
+                <a:solidFill>
+                  <a:schemeClr val="tx1"/>
+                </a:solidFill>
+                <a:latin typeface="Arial" charset="0"/>
+                <a:cs typeface="Arial" charset="0"/>
+              </a:defRPr>
+            </a:lvl6pPr>
+            <a:lvl7pPr marL="2971800" indent="-228600" eaLnBrk="0" fontAlgn="base" hangingPunct="0">
+              <a:spcBef>
+                <a:spcPct val="0"/>
+              </a:spcBef>
+              <a:spcAft>
+                <a:spcPct val="0"/>
+              </a:spcAft>
+              <a:tabLst>
+                <a:tab pos="6232525" algn="ctr"/>
+                <a:tab pos="8913813" algn="r"/>
+              </a:tabLst>
+              <a:defRPr>
+                <a:solidFill>
+                  <a:schemeClr val="tx1"/>
+                </a:solidFill>
+                <a:latin typeface="Arial" charset="0"/>
+                <a:cs typeface="Arial" charset="0"/>
+              </a:defRPr>
+            </a:lvl7pPr>
+            <a:lvl8pPr marL="3429000" indent="-228600" eaLnBrk="0" fontAlgn="base" hangingPunct="0">
+              <a:spcBef>
+                <a:spcPct val="0"/>
+              </a:spcBef>
+              <a:spcAft>
+                <a:spcPct val="0"/>
+              </a:spcAft>
+              <a:tabLst>
+                <a:tab pos="6232525" algn="ctr"/>
+                <a:tab pos="8913813" algn="r"/>
+              </a:tabLst>
+              <a:defRPr>
+                <a:solidFill>
+                  <a:schemeClr val="tx1"/>
+                </a:solidFill>
+                <a:latin typeface="Arial" charset="0"/>
+                <a:cs typeface="Arial" charset="0"/>
+              </a:defRPr>
+            </a:lvl8pPr>
+            <a:lvl9pPr marL="3886200" indent="-228600" eaLnBrk="0" fontAlgn="base" hangingPunct="0">
+              <a:spcBef>
+                <a:spcPct val="0"/>
+              </a:spcBef>
+              <a:spcAft>
+                <a:spcPct val="0"/>
+              </a:spcAft>
+              <a:tabLst>
+                <a:tab pos="6232525" algn="ctr"/>
+                <a:tab pos="8913813" algn="r"/>
+              </a:tabLst>
+              <a:defRPr>
+                <a:solidFill>
+                  <a:schemeClr val="tx1"/>
+                </a:solidFill>
+                <a:latin typeface="Arial" charset="0"/>
+                <a:cs typeface="Arial" charset="0"/>
+              </a:defRPr>
+            </a:lvl9pPr>
+          </a:lstStyle>
+          <a:p>
+            <a:pPr eaLnBrk="1" hangingPunct="1">
+              <a:tabLst>
+                <a:tab pos="6511925" algn="ctr"/>
+                <a:tab pos="8913813" algn="r"/>
+              </a:tabLst>
+            </a:pPr>
+            <a:r>
+              <a:rPr lang="en-GB" sz="900" dirty="0"/>
+              <a:t>Workshop on Computer Programming and Advanced Tools for Scientific Research Work</a:t>
+            </a:r>
+            <a:r>
+              <a:rPr lang="en-US" sz="900" dirty="0"/>
+              <a:t>	Manuel Proissl	</a:t>
+            </a:r>
+            <a:fld id="{D1FE0D4B-1F7D-4BCE-8D61-646A4526EF42}" type="slidenum">
+              <a:rPr lang="en-US" sz="900"/>
+              <a:pPr eaLnBrk="1" hangingPunct="1">
+                <a:tabLst>
+                  <a:tab pos="6511925" algn="ctr"/>
+                  <a:tab pos="8913813" algn="r"/>
+                </a:tabLst>
+              </a:pPr>
+              <a:t>12</a:t>
+            </a:fld>
+            <a:endParaRPr lang="en-US" sz="900" dirty="0"/>
+          </a:p>
+        </p:txBody>
+      </p:sp>
+      <p:pic>
+        <p:nvPicPr>
+          <p:cNvPr id="4" name="Picture 3"/>
+          <p:cNvPicPr>
+            <a:picLocks noChangeAspect="1"/>
+          </p:cNvPicPr>
+          <p:nvPr/>
+        </p:nvPicPr>
+        <p:blipFill>
+          <a:blip r:embed="rId2"/>
+          <a:stretch>
+            <a:fillRect/>
+          </a:stretch>
+        </p:blipFill>
+        <p:spPr>
+          <a:xfrm>
+            <a:off x="132735" y="2675510"/>
+            <a:ext cx="6039465" cy="3801490"/>
+          </a:xfrm>
+          <a:prstGeom prst="rect">
+            <a:avLst/>
+          </a:prstGeom>
+        </p:spPr>
+      </p:pic>
+      <p:pic>
+        <p:nvPicPr>
+          <p:cNvPr id="7" name="Picture 6"/>
+          <p:cNvPicPr>
+            <a:picLocks noChangeAspect="1"/>
+          </p:cNvPicPr>
+          <p:nvPr/>
+        </p:nvPicPr>
+        <p:blipFill>
+          <a:blip r:embed="rId3"/>
+          <a:stretch>
+            <a:fillRect/>
+          </a:stretch>
+        </p:blipFill>
+        <p:spPr>
+          <a:xfrm>
+            <a:off x="4191000" y="1066800"/>
+            <a:ext cx="4872567" cy="3705896"/>
+          </a:xfrm>
+          <a:prstGeom prst="rect">
+            <a:avLst/>
+          </a:prstGeom>
+        </p:spPr>
+      </p:pic>
+    </p:spTree>
+    <p:extLst>
+      <p:ext uri="{BB962C8B-B14F-4D97-AF65-F5344CB8AC3E}">
+        <p14:creationId xmlns:p14="http://schemas.microsoft.com/office/powerpoint/2010/main" val="3559400921"/>
+      </p:ext>
+    </p:extLst>
+  </p:cSld>
+  <p:clrMapOvr>
+    <a:masterClrMapping/>
+  </p:clrMapOvr>
+  <p:timing>
+    <p:tnLst>
+      <p:par>
+        <p:cTn xmlns:p14="http://schemas.microsoft.com/office/powerpoint/2010/main" id="1" dur="indefinite" restart="never" nodeType="tmRoot"/>
+      </p:par>
+    </p:tnLst>
+  </p:timing>
+</p:sld>
+</file>
+
+<file path=ppt/slides/slide13.xml><?xml version="1.0" encoding="utf-8"?>
+<p:sld xmlns:a="http://schemas.openxmlformats.org/drawingml/2006/main" xmlns:r="http://schemas.openxmlformats.org/officeDocument/2006/relationships" xmlns:p="http://schemas.openxmlformats.org/presentationml/2006/main">
+  <p:cSld>
+    <p:spTree>
+      <p:nvGrpSpPr>
+        <p:cNvPr id="1" name=""/>
+        <p:cNvGrpSpPr/>
+        <p:nvPr/>
+      </p:nvGrpSpPr>
+      <p:grpSpPr>
+        <a:xfrm>
+          <a:off x="0" y="0"/>
+          <a:ext cx="0" cy="0"/>
+          <a:chOff x="0" y="0"/>
+          <a:chExt cx="0" cy="0"/>
+        </a:xfrm>
+      </p:grpSpPr>
+      <p:sp>
+        <p:nvSpPr>
+          <p:cNvPr id="14" name="Rechteck 13"/>
+          <p:cNvSpPr/>
+          <p:nvPr/>
+        </p:nvSpPr>
+        <p:spPr>
+          <a:xfrm>
+            <a:off x="-6350" y="228600"/>
+            <a:ext cx="9150350" cy="685800"/>
+          </a:xfrm>
+          <a:prstGeom prst="rect">
+            <a:avLst/>
+          </a:prstGeom>
+          <a:solidFill>
+            <a:srgbClr val="FF9900"/>
+          </a:solidFill>
+          <a:ln>
+            <a:noFill/>
+          </a:ln>
+          <a:effectLst>
+            <a:outerShdw blurRad="50800" dist="38100" dir="2700000" algn="tl" rotWithShape="0">
+              <a:prstClr val="black">
+                <a:alpha val="40000"/>
+              </a:prstClr>
+            </a:outerShdw>
+          </a:effectLst>
+        </p:spPr>
+        <p:style>
+          <a:lnRef idx="2">
+            <a:schemeClr val="dk1">
+              <a:shade val="50000"/>
+            </a:schemeClr>
+          </a:lnRef>
+          <a:fillRef idx="1">
+            <a:schemeClr val="dk1"/>
+          </a:fillRef>
+          <a:effectRef idx="0">
+            <a:schemeClr val="dk1"/>
+          </a:effectRef>
+          <a:fontRef idx="minor">
+            <a:schemeClr val="lt1"/>
+          </a:fontRef>
+        </p:style>
+        <p:txBody>
+          <a:bodyPr rtlCol="0" anchor="ctr"/>
+          <a:lstStyle/>
+          <a:p>
+            <a:pPr algn="ctr"/>
+            <a:endParaRPr lang="en-US">
+              <a:solidFill>
+                <a:srgbClr val="FF9933"/>
+              </a:solidFill>
+            </a:endParaRPr>
+          </a:p>
+        </p:txBody>
+      </p:sp>
+      <p:sp>
+        <p:nvSpPr>
+          <p:cNvPr id="15" name="Rechteck 14"/>
+          <p:cNvSpPr/>
+          <p:nvPr/>
+        </p:nvSpPr>
+        <p:spPr>
+          <a:xfrm>
+            <a:off x="-6350" y="0"/>
+            <a:ext cx="9150350" cy="228600"/>
+          </a:xfrm>
+          <a:prstGeom prst="rect">
+            <a:avLst/>
+          </a:prstGeom>
+          <a:solidFill>
+            <a:schemeClr val="tx1"/>
+          </a:solidFill>
+          <a:ln>
+            <a:noFill/>
+          </a:ln>
+          <a:effectLst>
+            <a:outerShdw blurRad="50800" dist="38100" dir="2700000" algn="tl" rotWithShape="0">
+              <a:prstClr val="black">
+                <a:alpha val="40000"/>
+              </a:prstClr>
+            </a:outerShdw>
+          </a:effectLst>
+        </p:spPr>
+        <p:style>
+          <a:lnRef idx="2">
+            <a:schemeClr val="dk1">
+              <a:shade val="50000"/>
+            </a:schemeClr>
+          </a:lnRef>
+          <a:fillRef idx="1">
+            <a:schemeClr val="dk1"/>
+          </a:fillRef>
+          <a:effectRef idx="0">
+            <a:schemeClr val="dk1"/>
+          </a:effectRef>
+          <a:fontRef idx="minor">
+            <a:schemeClr val="lt1"/>
+          </a:fontRef>
+        </p:style>
+        <p:txBody>
+          <a:bodyPr rtlCol="0" anchor="ctr"/>
+          <a:lstStyle/>
+          <a:p>
+            <a:pPr algn="ctr"/>
+            <a:endParaRPr lang="en-US">
+              <a:solidFill>
+                <a:srgbClr val="FF9933"/>
+              </a:solidFill>
+            </a:endParaRPr>
+          </a:p>
+        </p:txBody>
+      </p:sp>
+      <p:sp>
+        <p:nvSpPr>
+          <p:cNvPr id="17" name="Rechteck 16"/>
+          <p:cNvSpPr/>
+          <p:nvPr/>
+        </p:nvSpPr>
+        <p:spPr>
+          <a:xfrm>
+            <a:off x="-6350" y="6629400"/>
+            <a:ext cx="9150350" cy="228600"/>
+          </a:xfrm>
+          <a:prstGeom prst="rect">
+            <a:avLst/>
+          </a:prstGeom>
+          <a:solidFill>
+            <a:srgbClr val="FF9900"/>
+          </a:solidFill>
+          <a:ln>
+            <a:noFill/>
+          </a:ln>
+          <a:effectLst>
+            <a:outerShdw blurRad="50800" dist="38100" dir="18900000" algn="bl" rotWithShape="0">
+              <a:prstClr val="black">
+                <a:alpha val="40000"/>
+              </a:prstClr>
+            </a:outerShdw>
+          </a:effectLst>
+        </p:spPr>
+        <p:style>
+          <a:lnRef idx="2">
+            <a:schemeClr val="dk1">
+              <a:shade val="50000"/>
+            </a:schemeClr>
+          </a:lnRef>
+          <a:fillRef idx="1">
+            <a:schemeClr val="dk1"/>
+          </a:fillRef>
+          <a:effectRef idx="0">
+            <a:schemeClr val="dk1"/>
+          </a:effectRef>
+          <a:fontRef idx="minor">
+            <a:schemeClr val="lt1"/>
+          </a:fontRef>
+        </p:style>
+        <p:txBody>
+          <a:bodyPr rtlCol="0" anchor="ctr"/>
+          <a:lstStyle/>
+          <a:p>
+            <a:pPr algn="ctr"/>
+            <a:endParaRPr lang="en-US">
+              <a:solidFill>
+                <a:srgbClr val="FF9933"/>
+              </a:solidFill>
+            </a:endParaRPr>
+          </a:p>
+        </p:txBody>
+      </p:sp>
+      <p:sp>
+        <p:nvSpPr>
+          <p:cNvPr id="2" name="Textfeld 1"/>
+          <p:cNvSpPr txBox="1"/>
+          <p:nvPr/>
+        </p:nvSpPr>
+        <p:spPr>
+          <a:xfrm>
+            <a:off x="0" y="268069"/>
+            <a:ext cx="9144000" cy="646331"/>
+          </a:xfrm>
+          <a:prstGeom prst="rect">
+            <a:avLst/>
+          </a:prstGeom>
+          <a:noFill/>
+        </p:spPr>
+        <p:txBody>
+          <a:bodyPr wrap="square" rtlCol="0">
+            <a:spAutoFit/>
+          </a:bodyPr>
+          <a:lstStyle/>
+          <a:p>
+            <a:r>
+              <a:rPr lang="en-US" sz="3600" b="1" cap="all" dirty="0" smtClean="0"/>
+              <a:t>Thanks!</a:t>
+            </a:r>
+            <a:endParaRPr lang="en-US" sz="3600" b="1" cap="all" dirty="0"/>
+          </a:p>
+        </p:txBody>
+      </p:sp>
+      <p:sp>
+        <p:nvSpPr>
+          <p:cNvPr id="3" name="Textfeld 2"/>
+          <p:cNvSpPr txBox="1"/>
+          <p:nvPr/>
+        </p:nvSpPr>
+        <p:spPr>
+          <a:xfrm>
+            <a:off x="0" y="0"/>
+            <a:ext cx="8534400" cy="215444"/>
+          </a:xfrm>
+          <a:prstGeom prst="rect">
+            <a:avLst/>
+          </a:prstGeom>
+          <a:noFill/>
+        </p:spPr>
+        <p:txBody>
+          <a:bodyPr wrap="square" rtlCol="0">
+            <a:spAutoFit/>
+          </a:bodyPr>
+          <a:lstStyle/>
+          <a:p>
+            <a:r>
+              <a:rPr lang="it-IT" sz="800" b="1" cap="all" dirty="0" err="1" smtClean="0">
+                <a:solidFill>
+                  <a:schemeClr val="bg1"/>
+                </a:solidFill>
+              </a:rPr>
+              <a:t>MyMD</a:t>
+            </a:r>
+            <a:r>
+              <a:rPr lang="it-IT" sz="800" b="1" cap="all" dirty="0" smtClean="0">
+                <a:solidFill>
+                  <a:schemeClr val="bg1"/>
+                </a:solidFill>
+              </a:rPr>
+              <a:t>. A </a:t>
+            </a:r>
+            <a:r>
+              <a:rPr lang="it-IT" sz="800" b="1" cap="all" dirty="0" err="1" smtClean="0">
+                <a:solidFill>
+                  <a:schemeClr val="bg1"/>
+                </a:solidFill>
+              </a:rPr>
+              <a:t>program</a:t>
+            </a:r>
+            <a:r>
+              <a:rPr lang="it-IT" sz="800" b="1" cap="all" dirty="0" smtClean="0">
+                <a:solidFill>
+                  <a:schemeClr val="bg1"/>
+                </a:solidFill>
+              </a:rPr>
+              <a:t> with </a:t>
+            </a:r>
+            <a:r>
+              <a:rPr lang="it-IT" sz="800" b="1" cap="all" dirty="0" err="1" smtClean="0">
+                <a:solidFill>
+                  <a:schemeClr val="bg1"/>
+                </a:solidFill>
+              </a:rPr>
+              <a:t>potential</a:t>
+            </a:r>
+            <a:r>
+              <a:rPr lang="it-IT" sz="800" b="1" cap="all" dirty="0" smtClean="0">
+                <a:solidFill>
+                  <a:schemeClr val="bg1"/>
+                </a:solidFill>
+              </a:rPr>
+              <a:t>…</a:t>
+            </a:r>
+            <a:endParaRPr lang="en-US" sz="800" b="1" cap="all" dirty="0">
+              <a:solidFill>
+                <a:schemeClr val="bg1"/>
+              </a:solidFill>
+            </a:endParaRPr>
+          </a:p>
+        </p:txBody>
+      </p:sp>
+      <p:sp>
+        <p:nvSpPr>
+          <p:cNvPr id="18" name="TextBox 8"/>
+          <p:cNvSpPr txBox="1">
+            <a:spLocks noChangeArrowheads="1"/>
+          </p:cNvSpPr>
+          <p:nvPr/>
+        </p:nvSpPr>
+        <p:spPr bwMode="auto">
+          <a:xfrm>
+            <a:off x="0" y="6642100"/>
+            <a:ext cx="9144000" cy="230832"/>
+          </a:xfrm>
+          <a:prstGeom prst="rect">
+            <a:avLst/>
+          </a:prstGeom>
+          <a:noFill/>
+          <a:ln>
+            <a:noFill/>
+          </a:ln>
+          <a:extLst>
+            <a:ext uri="{909E8E84-426E-40dd-AFC4-6F175D3DCCD1}">
+              <a14:hiddenFill xmlns:a14="http://schemas.microsoft.com/office/drawing/2010/main">
+                <a:solidFill>
+                  <a:srgbClr val="FFFFFF"/>
+                </a:solidFill>
+              </a14:hiddenFill>
+            </a:ext>
+            <a:ext uri="{91240B29-F687-4f45-9708-019B960494DF}">
+              <a14:hiddenLine xmlns:a14="http://schemas.microsoft.com/office/drawing/2010/main" w="9525">
+                <a:solidFill>
+                  <a:srgbClr val="000000"/>
+                </a:solidFill>
+                <a:miter lim="800000"/>
+                <a:headEnd/>
+                <a:tailEnd/>
+              </a14:hiddenLine>
+            </a:ext>
+          </a:extLst>
+        </p:spPr>
+        <p:txBody>
+          <a:bodyPr>
+            <a:spAutoFit/>
+          </a:bodyPr>
+          <a:lstStyle>
+            <a:lvl1pPr eaLnBrk="0" hangingPunct="0">
+              <a:tabLst>
+                <a:tab pos="6232525" algn="ctr"/>
+                <a:tab pos="8913813" algn="r"/>
+              </a:tabLst>
+              <a:defRPr>
+                <a:solidFill>
+                  <a:schemeClr val="tx1"/>
+                </a:solidFill>
+                <a:latin typeface="Arial" charset="0"/>
+                <a:cs typeface="Arial" charset="0"/>
+              </a:defRPr>
+            </a:lvl1pPr>
+            <a:lvl2pPr marL="742950" indent="-285750" eaLnBrk="0" hangingPunct="0">
+              <a:tabLst>
+                <a:tab pos="6232525" algn="ctr"/>
+                <a:tab pos="8913813" algn="r"/>
+              </a:tabLst>
+              <a:defRPr>
+                <a:solidFill>
+                  <a:schemeClr val="tx1"/>
+                </a:solidFill>
+                <a:latin typeface="Arial" charset="0"/>
+                <a:cs typeface="Arial" charset="0"/>
+              </a:defRPr>
+            </a:lvl2pPr>
+            <a:lvl3pPr marL="1143000" indent="-228600" eaLnBrk="0" hangingPunct="0">
+              <a:tabLst>
+                <a:tab pos="6232525" algn="ctr"/>
+                <a:tab pos="8913813" algn="r"/>
+              </a:tabLst>
+              <a:defRPr>
+                <a:solidFill>
+                  <a:schemeClr val="tx1"/>
+                </a:solidFill>
+                <a:latin typeface="Arial" charset="0"/>
+                <a:cs typeface="Arial" charset="0"/>
+              </a:defRPr>
+            </a:lvl3pPr>
+            <a:lvl4pPr marL="1600200" indent="-228600" eaLnBrk="0" hangingPunct="0">
+              <a:tabLst>
+                <a:tab pos="6232525" algn="ctr"/>
+                <a:tab pos="8913813" algn="r"/>
+              </a:tabLst>
+              <a:defRPr>
+                <a:solidFill>
+                  <a:schemeClr val="tx1"/>
+                </a:solidFill>
+                <a:latin typeface="Arial" charset="0"/>
+                <a:cs typeface="Arial" charset="0"/>
+              </a:defRPr>
+            </a:lvl4pPr>
+            <a:lvl5pPr marL="2057400" indent="-228600" eaLnBrk="0" hangingPunct="0">
+              <a:tabLst>
+                <a:tab pos="6232525" algn="ctr"/>
+                <a:tab pos="8913813" algn="r"/>
+              </a:tabLst>
+              <a:defRPr>
+                <a:solidFill>
+                  <a:schemeClr val="tx1"/>
+                </a:solidFill>
+                <a:latin typeface="Arial" charset="0"/>
+                <a:cs typeface="Arial" charset="0"/>
+              </a:defRPr>
+            </a:lvl5pPr>
+            <a:lvl6pPr marL="2514600" indent="-228600" eaLnBrk="0" fontAlgn="base" hangingPunct="0">
+              <a:spcBef>
+                <a:spcPct val="0"/>
+              </a:spcBef>
+              <a:spcAft>
+                <a:spcPct val="0"/>
+              </a:spcAft>
+              <a:tabLst>
+                <a:tab pos="6232525" algn="ctr"/>
+                <a:tab pos="8913813" algn="r"/>
+              </a:tabLst>
+              <a:defRPr>
+                <a:solidFill>
+                  <a:schemeClr val="tx1"/>
+                </a:solidFill>
+                <a:latin typeface="Arial" charset="0"/>
+                <a:cs typeface="Arial" charset="0"/>
+              </a:defRPr>
+            </a:lvl6pPr>
+            <a:lvl7pPr marL="2971800" indent="-228600" eaLnBrk="0" fontAlgn="base" hangingPunct="0">
+              <a:spcBef>
+                <a:spcPct val="0"/>
+              </a:spcBef>
+              <a:spcAft>
+                <a:spcPct val="0"/>
+              </a:spcAft>
+              <a:tabLst>
+                <a:tab pos="6232525" algn="ctr"/>
+                <a:tab pos="8913813" algn="r"/>
+              </a:tabLst>
+              <a:defRPr>
+                <a:solidFill>
+                  <a:schemeClr val="tx1"/>
+                </a:solidFill>
+                <a:latin typeface="Arial" charset="0"/>
+                <a:cs typeface="Arial" charset="0"/>
+              </a:defRPr>
+            </a:lvl7pPr>
+            <a:lvl8pPr marL="3429000" indent="-228600" eaLnBrk="0" fontAlgn="base" hangingPunct="0">
+              <a:spcBef>
+                <a:spcPct val="0"/>
+              </a:spcBef>
+              <a:spcAft>
+                <a:spcPct val="0"/>
+              </a:spcAft>
+              <a:tabLst>
+                <a:tab pos="6232525" algn="ctr"/>
+                <a:tab pos="8913813" algn="r"/>
+              </a:tabLst>
+              <a:defRPr>
+                <a:solidFill>
+                  <a:schemeClr val="tx1"/>
+                </a:solidFill>
+                <a:latin typeface="Arial" charset="0"/>
+                <a:cs typeface="Arial" charset="0"/>
+              </a:defRPr>
+            </a:lvl8pPr>
+            <a:lvl9pPr marL="3886200" indent="-228600" eaLnBrk="0" fontAlgn="base" hangingPunct="0">
+              <a:spcBef>
+                <a:spcPct val="0"/>
+              </a:spcBef>
+              <a:spcAft>
+                <a:spcPct val="0"/>
+              </a:spcAft>
+              <a:tabLst>
+                <a:tab pos="6232525" algn="ctr"/>
+                <a:tab pos="8913813" algn="r"/>
+              </a:tabLst>
+              <a:defRPr>
+                <a:solidFill>
+                  <a:schemeClr val="tx1"/>
+                </a:solidFill>
+                <a:latin typeface="Arial" charset="0"/>
+                <a:cs typeface="Arial" charset="0"/>
+              </a:defRPr>
+            </a:lvl9pPr>
+          </a:lstStyle>
+          <a:p>
+            <a:pPr eaLnBrk="1" hangingPunct="1">
+              <a:tabLst>
+                <a:tab pos="6511925" algn="ctr"/>
+                <a:tab pos="8913813" algn="r"/>
+              </a:tabLst>
+            </a:pPr>
+            <a:r>
+              <a:rPr lang="en-GB" sz="900" dirty="0"/>
+              <a:t>Workshop on Computer Programming and Advanced Tools for Scientific Research Work</a:t>
+            </a:r>
+            <a:r>
+              <a:rPr lang="en-US" sz="900" dirty="0"/>
+              <a:t>	Manuel Proissl	</a:t>
+            </a:r>
+            <a:fld id="{D1FE0D4B-1F7D-4BCE-8D61-646A4526EF42}" type="slidenum">
+              <a:rPr lang="en-US" sz="900"/>
+              <a:pPr eaLnBrk="1" hangingPunct="1">
+                <a:tabLst>
+                  <a:tab pos="6511925" algn="ctr"/>
+                  <a:tab pos="8913813" algn="r"/>
+                </a:tabLst>
+              </a:pPr>
+              <a:t>13</a:t>
+            </a:fld>
+            <a:endParaRPr lang="en-US" sz="900" dirty="0"/>
+          </a:p>
+        </p:txBody>
+      </p:sp>
+      <p:sp>
+        <p:nvSpPr>
+          <p:cNvPr id="10" name="TextBox 9"/>
+          <p:cNvSpPr txBox="1"/>
+          <p:nvPr/>
+        </p:nvSpPr>
+        <p:spPr>
+          <a:xfrm>
+            <a:off x="152400" y="2743200"/>
+            <a:ext cx="8991600" cy="954107"/>
+          </a:xfrm>
+          <a:prstGeom prst="rect">
+            <a:avLst/>
+          </a:prstGeom>
+          <a:noFill/>
+        </p:spPr>
+        <p:txBody>
+          <a:bodyPr wrap="square" rtlCol="0">
+            <a:spAutoFit/>
+          </a:bodyPr>
+          <a:lstStyle/>
+          <a:p>
+            <a:r>
+              <a:rPr lang="en-US" sz="2000" b="1" dirty="0" smtClean="0">
+                <a:solidFill>
+                  <a:srgbClr val="FF0000"/>
+                </a:solidFill>
+              </a:rPr>
+              <a:t>Check out </a:t>
+            </a:r>
+            <a:r>
+              <a:rPr lang="en-US" sz="2000" b="1" dirty="0">
+                <a:solidFill>
+                  <a:srgbClr val="FF0000"/>
+                </a:solidFill>
+              </a:rPr>
+              <a:t>code:</a:t>
+            </a:r>
+            <a:r>
+              <a:rPr lang="en-US" sz="2000" b="1" dirty="0"/>
+              <a:t> </a:t>
+            </a:r>
+            <a:r>
+              <a:rPr lang="en-US" sz="2800" b="1" dirty="0" err="1">
+                <a:latin typeface="Microsoft Yi Baiti"/>
+                <a:cs typeface="Microsoft Yi Baiti"/>
+              </a:rPr>
+              <a:t>git</a:t>
+            </a:r>
+            <a:r>
+              <a:rPr lang="en-US" sz="2800" b="1" dirty="0">
+                <a:latin typeface="Microsoft Yi Baiti"/>
+                <a:cs typeface="Microsoft Yi Baiti"/>
+              </a:rPr>
+              <a:t> clone https://</a:t>
+            </a:r>
+            <a:r>
+              <a:rPr lang="en-US" sz="2800" b="1" dirty="0" err="1">
+                <a:latin typeface="Microsoft Yi Baiti"/>
+                <a:cs typeface="Microsoft Yi Baiti"/>
+              </a:rPr>
+              <a:t>github.com</a:t>
+            </a:r>
+            <a:r>
+              <a:rPr lang="en-US" sz="2800" b="1" dirty="0">
+                <a:latin typeface="Microsoft Yi Baiti"/>
+                <a:cs typeface="Microsoft Yi Baiti"/>
+              </a:rPr>
+              <a:t>/</a:t>
+            </a:r>
+            <a:r>
+              <a:rPr lang="en-US" sz="2800" b="1" dirty="0" err="1">
+                <a:latin typeface="Microsoft Yi Baiti"/>
+                <a:cs typeface="Microsoft Yi Baiti"/>
+              </a:rPr>
+              <a:t>Rhouli</a:t>
+            </a:r>
+            <a:r>
+              <a:rPr lang="en-US" sz="2800" b="1" dirty="0">
+                <a:latin typeface="Microsoft Yi Baiti"/>
+                <a:cs typeface="Microsoft Yi Baiti"/>
+              </a:rPr>
+              <a:t>/</a:t>
+            </a:r>
+            <a:r>
+              <a:rPr lang="en-US" sz="2800" b="1" dirty="0" err="1">
+                <a:latin typeface="Microsoft Yi Baiti"/>
+                <a:cs typeface="Microsoft Yi Baiti"/>
+              </a:rPr>
+              <a:t>ljmd-c.git</a:t>
+            </a:r>
+            <a:endParaRPr lang="en-US" sz="2800" b="1" dirty="0">
+              <a:latin typeface="Microsoft Yi Baiti"/>
+              <a:cs typeface="Microsoft Yi Baiti"/>
+            </a:endParaRPr>
+          </a:p>
+          <a:p>
+            <a:endParaRPr lang="en-US" sz="2800" dirty="0"/>
+          </a:p>
+        </p:txBody>
+      </p:sp>
+    </p:spTree>
+    <p:extLst>
+      <p:ext uri="{BB962C8B-B14F-4D97-AF65-F5344CB8AC3E}">
+        <p14:creationId xmlns:p14="http://schemas.microsoft.com/office/powerpoint/2010/main" val="2000256449"/>
+      </p:ext>
+    </p:extLst>
+  </p:cSld>
+  <p:clrMapOvr>
+    <a:masterClrMapping/>
+  </p:clrMapOvr>
+  <p:timing>
+    <p:tnLst>
+      <p:par>
+        <p:cTn xmlns:p14="http://schemas.microsoft.com/office/powerpoint/2010/main" id="1" dur="indefinite" restart="never" nodeType="tmRoot"/>
+      </p:par>
+    </p:tnLst>
+  </p:timing>
+</p:sld>
+</file>
+
+<file path=ppt/slides/slide2.xml><?xml version="1.0" encoding="utf-8"?>
+<p:sld xmlns:a="http://schemas.openxmlformats.org/drawingml/2006/main" xmlns:r="http://schemas.openxmlformats.org/officeDocument/2006/relationships" xmlns:p="http://schemas.openxmlformats.org/presentationml/2006/main">
+  <p:cSld>
+    <p:spTree>
+      <p:nvGrpSpPr>
+        <p:cNvPr id="1" name=""/>
+        <p:cNvGrpSpPr/>
+        <p:nvPr/>
+      </p:nvGrpSpPr>
+      <p:grpSpPr>
+        <a:xfrm>
+          <a:off x="0" y="0"/>
+          <a:ext cx="0" cy="0"/>
+          <a:chOff x="0" y="0"/>
+          <a:chExt cx="0" cy="0"/>
+        </a:xfrm>
+      </p:grpSpPr>
+      <p:sp>
+        <p:nvSpPr>
+          <p:cNvPr id="14" name="Rechteck 13"/>
+          <p:cNvSpPr/>
+          <p:nvPr/>
+        </p:nvSpPr>
+        <p:spPr>
+          <a:xfrm>
+            <a:off x="-6350" y="228600"/>
+            <a:ext cx="9150350" cy="685800"/>
+          </a:xfrm>
+          <a:prstGeom prst="rect">
+            <a:avLst/>
+          </a:prstGeom>
+          <a:solidFill>
+            <a:srgbClr val="FF9900"/>
+          </a:solidFill>
+          <a:ln>
+            <a:noFill/>
+          </a:ln>
+          <a:effectLst>
+            <a:outerShdw blurRad="50800" dist="38100" dir="2700000" algn="tl" rotWithShape="0">
+              <a:prstClr val="black">
+                <a:alpha val="40000"/>
+              </a:prstClr>
+            </a:outerShdw>
+          </a:effectLst>
+        </p:spPr>
+        <p:style>
+          <a:lnRef idx="2">
+            <a:schemeClr val="dk1">
+              <a:shade val="50000"/>
+            </a:schemeClr>
+          </a:lnRef>
+          <a:fillRef idx="1">
+            <a:schemeClr val="dk1"/>
+          </a:fillRef>
+          <a:effectRef idx="0">
+            <a:schemeClr val="dk1"/>
+          </a:effectRef>
+          <a:fontRef idx="minor">
+            <a:schemeClr val="lt1"/>
+          </a:fontRef>
+        </p:style>
+        <p:txBody>
+          <a:bodyPr rtlCol="0" anchor="ctr"/>
+          <a:lstStyle/>
+          <a:p>
+            <a:pPr algn="ctr"/>
+            <a:endParaRPr lang="en-US">
+              <a:solidFill>
+                <a:srgbClr val="FF9933"/>
+              </a:solidFill>
+            </a:endParaRPr>
+          </a:p>
+        </p:txBody>
+      </p:sp>
+      <p:sp>
+        <p:nvSpPr>
+          <p:cNvPr id="15" name="Rechteck 14"/>
+          <p:cNvSpPr/>
+          <p:nvPr/>
+        </p:nvSpPr>
+        <p:spPr>
+          <a:xfrm>
+            <a:off x="-6350" y="0"/>
+            <a:ext cx="9150350" cy="228600"/>
+          </a:xfrm>
+          <a:prstGeom prst="rect">
+            <a:avLst/>
+          </a:prstGeom>
+          <a:solidFill>
+            <a:schemeClr val="tx1"/>
+          </a:solidFill>
+          <a:ln>
+            <a:noFill/>
+          </a:ln>
+          <a:effectLst>
+            <a:outerShdw blurRad="50800" dist="38100" dir="2700000" algn="tl" rotWithShape="0">
+              <a:prstClr val="black">
+                <a:alpha val="40000"/>
+              </a:prstClr>
+            </a:outerShdw>
+          </a:effectLst>
+        </p:spPr>
+        <p:style>
+          <a:lnRef idx="2">
+            <a:schemeClr val="dk1">
+              <a:shade val="50000"/>
+            </a:schemeClr>
+          </a:lnRef>
+          <a:fillRef idx="1">
+            <a:schemeClr val="dk1"/>
+          </a:fillRef>
+          <a:effectRef idx="0">
+            <a:schemeClr val="dk1"/>
+          </a:effectRef>
+          <a:fontRef idx="minor">
+            <a:schemeClr val="lt1"/>
+          </a:fontRef>
+        </p:style>
+        <p:txBody>
+          <a:bodyPr rtlCol="0" anchor="ctr"/>
+          <a:lstStyle/>
+          <a:p>
+            <a:pPr algn="ctr"/>
+            <a:endParaRPr lang="en-US">
+              <a:solidFill>
+                <a:srgbClr val="FF9933"/>
+              </a:solidFill>
+            </a:endParaRPr>
+          </a:p>
+        </p:txBody>
+      </p:sp>
+      <p:sp>
+        <p:nvSpPr>
+          <p:cNvPr id="17" name="Rechteck 16"/>
+          <p:cNvSpPr/>
+          <p:nvPr/>
+        </p:nvSpPr>
+        <p:spPr>
+          <a:xfrm>
+            <a:off x="-6350" y="6629400"/>
+            <a:ext cx="9150350" cy="228600"/>
+          </a:xfrm>
+          <a:prstGeom prst="rect">
+            <a:avLst/>
+          </a:prstGeom>
+          <a:solidFill>
+            <a:srgbClr val="FF9900"/>
+          </a:solidFill>
+          <a:ln>
+            <a:noFill/>
+          </a:ln>
+          <a:effectLst>
+            <a:outerShdw blurRad="50800" dist="38100" dir="18900000" algn="bl" rotWithShape="0">
+              <a:prstClr val="black">
+                <a:alpha val="40000"/>
+              </a:prstClr>
+            </a:outerShdw>
+          </a:effectLst>
+        </p:spPr>
+        <p:style>
+          <a:lnRef idx="2">
+            <a:schemeClr val="dk1">
+              <a:shade val="50000"/>
+            </a:schemeClr>
+          </a:lnRef>
+          <a:fillRef idx="1">
+            <a:schemeClr val="dk1"/>
+          </a:fillRef>
+          <a:effectRef idx="0">
+            <a:schemeClr val="dk1"/>
+          </a:effectRef>
+          <a:fontRef idx="minor">
+            <a:schemeClr val="lt1"/>
+          </a:fontRef>
+        </p:style>
+        <p:txBody>
+          <a:bodyPr rtlCol="0" anchor="ctr"/>
+          <a:lstStyle/>
+          <a:p>
+            <a:pPr algn="ctr"/>
+            <a:endParaRPr lang="en-US">
+              <a:solidFill>
+                <a:srgbClr val="FF9933"/>
+              </a:solidFill>
+            </a:endParaRPr>
+          </a:p>
+        </p:txBody>
+      </p:sp>
+      <p:sp>
+        <p:nvSpPr>
+          <p:cNvPr id="2" name="Textfeld 1"/>
+          <p:cNvSpPr txBox="1"/>
+          <p:nvPr/>
+        </p:nvSpPr>
+        <p:spPr>
+          <a:xfrm>
+            <a:off x="0" y="268069"/>
+            <a:ext cx="9144000" cy="646331"/>
+          </a:xfrm>
+          <a:prstGeom prst="rect">
+            <a:avLst/>
+          </a:prstGeom>
+          <a:noFill/>
+        </p:spPr>
+        <p:txBody>
+          <a:bodyPr wrap="square" rtlCol="0">
+            <a:spAutoFit/>
+          </a:bodyPr>
+          <a:lstStyle/>
+          <a:p>
+            <a:r>
+              <a:rPr lang="en-US" sz="3600" b="1" cap="all" dirty="0" smtClean="0"/>
+              <a:t>Project  Management</a:t>
+            </a:r>
+            <a:endParaRPr lang="en-US" sz="3600" b="1" cap="all" dirty="0"/>
+          </a:p>
+        </p:txBody>
+      </p:sp>
+      <p:sp>
+        <p:nvSpPr>
+          <p:cNvPr id="3" name="Textfeld 2"/>
+          <p:cNvSpPr txBox="1"/>
+          <p:nvPr/>
+        </p:nvSpPr>
+        <p:spPr>
+          <a:xfrm>
+            <a:off x="0" y="0"/>
+            <a:ext cx="8534400" cy="215444"/>
+          </a:xfrm>
+          <a:prstGeom prst="rect">
+            <a:avLst/>
+          </a:prstGeom>
+          <a:noFill/>
+        </p:spPr>
+        <p:txBody>
+          <a:bodyPr wrap="square" rtlCol="0">
+            <a:spAutoFit/>
+          </a:bodyPr>
+          <a:lstStyle/>
+          <a:p>
+            <a:r>
+              <a:rPr lang="it-IT" sz="800" b="1" cap="all" dirty="0" err="1" smtClean="0">
+                <a:solidFill>
+                  <a:schemeClr val="bg1"/>
+                </a:solidFill>
+              </a:rPr>
+              <a:t>MyMD</a:t>
+            </a:r>
+            <a:r>
+              <a:rPr lang="it-IT" sz="800" b="1" cap="all" dirty="0" smtClean="0">
+                <a:solidFill>
+                  <a:schemeClr val="bg1"/>
+                </a:solidFill>
+              </a:rPr>
+              <a:t>. A </a:t>
+            </a:r>
+            <a:r>
+              <a:rPr lang="it-IT" sz="800" b="1" cap="all" dirty="0" err="1" smtClean="0">
+                <a:solidFill>
+                  <a:schemeClr val="bg1"/>
+                </a:solidFill>
+              </a:rPr>
+              <a:t>program</a:t>
+            </a:r>
+            <a:r>
+              <a:rPr lang="it-IT" sz="800" b="1" cap="all" dirty="0" smtClean="0">
+                <a:solidFill>
+                  <a:schemeClr val="bg1"/>
+                </a:solidFill>
+              </a:rPr>
+              <a:t> with </a:t>
+            </a:r>
+            <a:r>
+              <a:rPr lang="it-IT" sz="800" b="1" cap="all" dirty="0" err="1" smtClean="0">
+                <a:solidFill>
+                  <a:schemeClr val="bg1"/>
+                </a:solidFill>
+              </a:rPr>
+              <a:t>potential</a:t>
+            </a:r>
+            <a:r>
+              <a:rPr lang="it-IT" sz="800" b="1" cap="all" dirty="0" smtClean="0">
+                <a:solidFill>
+                  <a:schemeClr val="bg1"/>
+                </a:solidFill>
+              </a:rPr>
+              <a:t>…</a:t>
+            </a:r>
+            <a:endParaRPr lang="en-US" sz="800" b="1" cap="all" dirty="0">
+              <a:solidFill>
+                <a:schemeClr val="bg1"/>
+              </a:solidFill>
+            </a:endParaRPr>
+          </a:p>
+        </p:txBody>
+      </p:sp>
+      <p:sp>
+        <p:nvSpPr>
+          <p:cNvPr id="18" name="TextBox 8"/>
+          <p:cNvSpPr txBox="1">
+            <a:spLocks noChangeArrowheads="1"/>
+          </p:cNvSpPr>
+          <p:nvPr/>
+        </p:nvSpPr>
+        <p:spPr bwMode="auto">
+          <a:xfrm>
+            <a:off x="0" y="6642100"/>
+            <a:ext cx="9144000" cy="230832"/>
+          </a:xfrm>
+          <a:prstGeom prst="rect">
+            <a:avLst/>
+          </a:prstGeom>
+          <a:noFill/>
+          <a:ln>
+            <a:noFill/>
+          </a:ln>
+          <a:extLst>
+            <a:ext uri="{909E8E84-426E-40dd-AFC4-6F175D3DCCD1}">
+              <a14:hiddenFill xmlns:a14="http://schemas.microsoft.com/office/drawing/2010/main">
+                <a:solidFill>
+                  <a:srgbClr val="FFFFFF"/>
+                </a:solidFill>
+              </a14:hiddenFill>
+            </a:ext>
+            <a:ext uri="{91240B29-F687-4f45-9708-019B960494DF}">
               <a14:hiddenLine xmlns:a14="http://schemas.microsoft.com/office/drawing/2010/main" w="9525">
                 <a:solidFill>
                   <a:srgbClr val="000000"/>
@@ -5511,11 +7943,7 @@
             </a:pPr>
             <a:r>
               <a:rPr lang="en-GB" dirty="0" smtClean="0"/>
-              <a:t>Validating</a:t>
-            </a:r>
-            <a:r>
-              <a:rPr lang="en-GB" dirty="0" smtClean="0"/>
-              <a:t> the output with reference data from original C version.</a:t>
+              <a:t>Validating the output with reference data from original C version.</a:t>
             </a:r>
           </a:p>
         </p:txBody>
@@ -5529,7 +7957,7 @@
           <p:nvPr>
             <p:extLst>
               <p:ext uri="{D42A27DB-BD31-4B8C-83A1-F6EECF244321}">
-                <p14:modId xmlns:p14="http://schemas.microsoft.com/office/powerpoint/2010/main" val="2104330083"/>
+                <p14:modId xmlns:p14="http://schemas.microsoft.com/office/powerpoint/2010/main" val="2402627359"/>
               </p:ext>
             </p:extLst>
           </p:nvPr>
@@ -5579,7 +8007,7 @@
                           <a:latin typeface="Arial" pitchFamily="34" charset="0"/>
                           <a:cs typeface="Arial" pitchFamily="34" charset="0"/>
                         </a:rPr>
-                        <a:t>Number of group members</a:t>
+                        <a:t>Group members</a:t>
                       </a:r>
                       <a:endParaRPr lang="en-GB" sz="1600" dirty="0">
                         <a:latin typeface="Arial" pitchFamily="34" charset="0"/>
@@ -5628,7 +8056,7 @@
                           <a:latin typeface="Arial" pitchFamily="34" charset="0"/>
                           <a:cs typeface="Arial" pitchFamily="34" charset="0"/>
                         </a:rPr>
-                        <a:t>2</a:t>
+                        <a:t>Rodrigo</a:t>
                       </a:r>
                       <a:endParaRPr lang="en-GB" sz="1600" dirty="0">
                         <a:latin typeface="Arial" pitchFamily="34" charset="0"/>
@@ -5670,7 +8098,21 @@
                           <a:latin typeface="Arial" pitchFamily="34" charset="0"/>
                           <a:cs typeface="Arial" pitchFamily="34" charset="0"/>
                         </a:rPr>
-                        <a:t>2</a:t>
+                        <a:t>Manuel,</a:t>
+                      </a:r>
+                      <a:r>
+                        <a:rPr lang="en-GB" sz="1600" baseline="0" dirty="0" smtClean="0">
+                          <a:latin typeface="Arial" pitchFamily="34" charset="0"/>
+                          <a:cs typeface="Arial" pitchFamily="34" charset="0"/>
+                        </a:rPr>
+                        <a:t> </a:t>
+                      </a:r>
+                      <a:r>
+                        <a:rPr lang="en-GB" sz="1600" baseline="0" dirty="0" err="1" smtClean="0">
+                          <a:latin typeface="Arial" pitchFamily="34" charset="0"/>
+                          <a:cs typeface="Arial" pitchFamily="34" charset="0"/>
+                        </a:rPr>
+                        <a:t>Maksim</a:t>
                       </a:r>
                       <a:endParaRPr lang="en-GB" sz="1600" dirty="0">
                         <a:latin typeface="Arial" pitchFamily="34" charset="0"/>
@@ -5712,7 +8154,21 @@
                           <a:latin typeface="Arial" pitchFamily="34" charset="0"/>
                           <a:cs typeface="Arial" pitchFamily="34" charset="0"/>
                         </a:rPr>
-                        <a:t>2</a:t>
+                        <a:t>Giovanni</a:t>
+                      </a:r>
+                      <a:r>
+                        <a:rPr lang="en-GB" sz="1600" baseline="0" dirty="0" smtClean="0">
+                          <a:latin typeface="Arial" pitchFamily="34" charset="0"/>
+                          <a:cs typeface="Arial" pitchFamily="34" charset="0"/>
+                        </a:rPr>
+                        <a:t>, </a:t>
+                      </a:r>
+                      <a:r>
+                        <a:rPr lang="en-GB" sz="1600" baseline="0" dirty="0" err="1" smtClean="0">
+                          <a:latin typeface="Arial" pitchFamily="34" charset="0"/>
+                          <a:cs typeface="Arial" pitchFamily="34" charset="0"/>
+                        </a:rPr>
+                        <a:t>Aris</a:t>
                       </a:r>
                       <a:endParaRPr lang="en-GB" sz="1600" dirty="0">
                         <a:latin typeface="Arial" pitchFamily="34" charset="0"/>
@@ -5754,7 +8210,7 @@
                           <a:latin typeface="Arial" pitchFamily="34" charset="0"/>
                           <a:cs typeface="Arial" pitchFamily="34" charset="0"/>
                         </a:rPr>
-                        <a:t>2</a:t>
+                        <a:t>Leopold</a:t>
                       </a:r>
                       <a:endParaRPr lang="en-GB" sz="1600" dirty="0">
                         <a:latin typeface="Arial" pitchFamily="34" charset="0"/>
@@ -5782,7 +8238,7 @@
   <p:timing>
     <p:tnLst>
       <p:par>
-        <p:cTn id="1" dur="indefinite" restart="never" nodeType="tmRoot"/>
+        <p:cTn xmlns:p14="http://schemas.microsoft.com/office/powerpoint/2010/main" id="1" dur="indefinite" restart="never" nodeType="tmRoot"/>
       </p:par>
     </p:tnLst>
   </p:timing>
@@ -6106,14 +8562,14 @@
             <a:noFill/>
           </a:ln>
           <a:extLst>
-            <a:ext uri="{909E8E84-426E-40DD-AFC4-6F175D3DCCD1}">
+            <a:ext uri="{909E8E84-426E-40dd-AFC4-6F175D3DCCD1}">
               <a14:hiddenFill xmlns:a14="http://schemas.microsoft.com/office/drawing/2010/main">
                 <a:solidFill>
                   <a:srgbClr val="FFFFFF"/>
                 </a:solidFill>
               </a14:hiddenFill>
             </a:ext>
-            <a:ext uri="{91240B29-F687-4F45-9708-019B960494DF}">
+            <a:ext uri="{91240B29-F687-4f45-9708-019B960494DF}">
               <a14:hiddenLine xmlns:a14="http://schemas.microsoft.com/office/drawing/2010/main" w="9525">
                 <a:solidFill>
                   <a:srgbClr val="000000"/>
@@ -6449,7 +8905,6 @@
               <a:rPr lang="en-GB" dirty="0" smtClean="0"/>
               <a:t>No improvements in terms of functionality (e.g. adding Morse potential) have been made, BUT the program structure allows now easily extensions!</a:t>
             </a:r>
-            <a:endParaRPr lang="en-GB" dirty="0" smtClean="0"/>
           </a:p>
           <a:p>
             <a:pPr marL="285750" indent="-285750" algn="just">
@@ -6528,7 +8983,7 @@
   <p:timing>
     <p:tnLst>
       <p:par>
-        <p:cTn id="1" dur="indefinite" restart="never" nodeType="tmRoot"/>
+        <p:cTn xmlns:p14="http://schemas.microsoft.com/office/powerpoint/2010/main" id="1" dur="indefinite" restart="never" nodeType="tmRoot"/>
       </p:par>
     </p:tnLst>
   </p:timing>
@@ -6882,14 +9337,14 @@
             <a:noFill/>
           </a:ln>
           <a:extLst>
-            <a:ext uri="{909E8E84-426E-40DD-AFC4-6F175D3DCCD1}">
+            <a:ext uri="{909E8E84-426E-40dd-AFC4-6F175D3DCCD1}">
               <a14:hiddenFill xmlns:a14="http://schemas.microsoft.com/office/drawing/2010/main">
                 <a:solidFill>
                   <a:srgbClr val="FFFFFF"/>
                 </a:solidFill>
               </a14:hiddenFill>
             </a:ext>
-            <a:ext uri="{91240B29-F687-4F45-9708-019B960494DF}">
+            <a:ext uri="{91240B29-F687-4f45-9708-019B960494DF}">
               <a14:hiddenLine xmlns:a14="http://schemas.microsoft.com/office/drawing/2010/main" w="9525">
                 <a:solidFill>
                   <a:srgbClr val="000000"/>
@@ -7090,7 +9545,7 @@
   <p:timing>
     <p:tnLst>
       <p:par>
-        <p:cTn id="1" dur="indefinite" restart="never" nodeType="tmRoot"/>
+        <p:cTn xmlns:p14="http://schemas.microsoft.com/office/powerpoint/2010/main" id="1" dur="indefinite" restart="never" nodeType="tmRoot"/>
       </p:par>
     </p:tnLst>
   </p:timing>
@@ -7444,14 +9899,14 @@
             <a:noFill/>
           </a:ln>
           <a:extLst>
-            <a:ext uri="{909E8E84-426E-40DD-AFC4-6F175D3DCCD1}">
+            <a:ext uri="{909E8E84-426E-40dd-AFC4-6F175D3DCCD1}">
               <a14:hiddenFill xmlns:a14="http://schemas.microsoft.com/office/drawing/2010/main">
                 <a:solidFill>
                   <a:srgbClr val="FFFFFF"/>
                 </a:solidFill>
               </a14:hiddenFill>
             </a:ext>
-            <a:ext uri="{91240B29-F687-4F45-9708-019B960494DF}">
+            <a:ext uri="{91240B29-F687-4f45-9708-019B960494DF}">
               <a14:hiddenLine xmlns:a14="http://schemas.microsoft.com/office/drawing/2010/main" w="9525">
                 <a:solidFill>
                   <a:srgbClr val="000000"/>
@@ -7742,7 +10197,2407 @@
   <p:timing>
     <p:tnLst>
       <p:par>
-        <p:cTn id="1" dur="indefinite" restart="never" nodeType="tmRoot"/>
+        <p:cTn xmlns:p14="http://schemas.microsoft.com/office/powerpoint/2010/main" id="1" dur="indefinite" restart="never" nodeType="tmRoot"/>
+      </p:par>
+    </p:tnLst>
+  </p:timing>
+</p:sld>
+</file>
+
+<file path=ppt/slides/slide6.xml><?xml version="1.0" encoding="utf-8"?>
+<p:sld xmlns:a="http://schemas.openxmlformats.org/drawingml/2006/main" xmlns:r="http://schemas.openxmlformats.org/officeDocument/2006/relationships" xmlns:p="http://schemas.openxmlformats.org/presentationml/2006/main">
+  <p:cSld>
+    <p:spTree>
+      <p:nvGrpSpPr>
+        <p:cNvPr id="1" name=""/>
+        <p:cNvGrpSpPr/>
+        <p:nvPr/>
+      </p:nvGrpSpPr>
+      <p:grpSpPr>
+        <a:xfrm>
+          <a:off x="0" y="0"/>
+          <a:ext cx="0" cy="0"/>
+          <a:chOff x="0" y="0"/>
+          <a:chExt cx="0" cy="0"/>
+        </a:xfrm>
+      </p:grpSpPr>
+      <p:sp>
+        <p:nvSpPr>
+          <p:cNvPr id="14" name="Rechteck 13"/>
+          <p:cNvSpPr/>
+          <p:nvPr/>
+        </p:nvSpPr>
+        <p:spPr>
+          <a:xfrm>
+            <a:off x="-6350" y="228600"/>
+            <a:ext cx="9150350" cy="685800"/>
+          </a:xfrm>
+          <a:prstGeom prst="rect">
+            <a:avLst/>
+          </a:prstGeom>
+          <a:solidFill>
+            <a:srgbClr val="FF9900"/>
+          </a:solidFill>
+          <a:ln>
+            <a:noFill/>
+          </a:ln>
+          <a:effectLst>
+            <a:outerShdw blurRad="50800" dist="38100" dir="2700000" algn="tl" rotWithShape="0">
+              <a:prstClr val="black">
+                <a:alpha val="40000"/>
+              </a:prstClr>
+            </a:outerShdw>
+          </a:effectLst>
+        </p:spPr>
+        <p:style>
+          <a:lnRef idx="2">
+            <a:schemeClr val="dk1">
+              <a:shade val="50000"/>
+            </a:schemeClr>
+          </a:lnRef>
+          <a:fillRef idx="1">
+            <a:schemeClr val="dk1"/>
+          </a:fillRef>
+          <a:effectRef idx="0">
+            <a:schemeClr val="dk1"/>
+          </a:effectRef>
+          <a:fontRef idx="minor">
+            <a:schemeClr val="lt1"/>
+          </a:fontRef>
+        </p:style>
+        <p:txBody>
+          <a:bodyPr rtlCol="0" anchor="ctr"/>
+          <a:lstStyle/>
+          <a:p>
+            <a:pPr algn="ctr"/>
+            <a:endParaRPr lang="en-US">
+              <a:solidFill>
+                <a:srgbClr val="FF9933"/>
+              </a:solidFill>
+            </a:endParaRPr>
+          </a:p>
+        </p:txBody>
+      </p:sp>
+      <p:sp>
+        <p:nvSpPr>
+          <p:cNvPr id="15" name="Rechteck 14"/>
+          <p:cNvSpPr/>
+          <p:nvPr/>
+        </p:nvSpPr>
+        <p:spPr>
+          <a:xfrm>
+            <a:off x="-6350" y="0"/>
+            <a:ext cx="9150350" cy="228600"/>
+          </a:xfrm>
+          <a:prstGeom prst="rect">
+            <a:avLst/>
+          </a:prstGeom>
+          <a:solidFill>
+            <a:schemeClr val="tx1"/>
+          </a:solidFill>
+          <a:ln>
+            <a:noFill/>
+          </a:ln>
+          <a:effectLst>
+            <a:outerShdw blurRad="50800" dist="38100" dir="2700000" algn="tl" rotWithShape="0">
+              <a:prstClr val="black">
+                <a:alpha val="40000"/>
+              </a:prstClr>
+            </a:outerShdw>
+          </a:effectLst>
+        </p:spPr>
+        <p:style>
+          <a:lnRef idx="2">
+            <a:schemeClr val="dk1">
+              <a:shade val="50000"/>
+            </a:schemeClr>
+          </a:lnRef>
+          <a:fillRef idx="1">
+            <a:schemeClr val="dk1"/>
+          </a:fillRef>
+          <a:effectRef idx="0">
+            <a:schemeClr val="dk1"/>
+          </a:effectRef>
+          <a:fontRef idx="minor">
+            <a:schemeClr val="lt1"/>
+          </a:fontRef>
+        </p:style>
+        <p:txBody>
+          <a:bodyPr rtlCol="0" anchor="ctr"/>
+          <a:lstStyle/>
+          <a:p>
+            <a:pPr algn="ctr"/>
+            <a:endParaRPr lang="en-US">
+              <a:solidFill>
+                <a:srgbClr val="FF9933"/>
+              </a:solidFill>
+            </a:endParaRPr>
+          </a:p>
+        </p:txBody>
+      </p:sp>
+      <p:sp>
+        <p:nvSpPr>
+          <p:cNvPr id="17" name="Rechteck 16"/>
+          <p:cNvSpPr/>
+          <p:nvPr/>
+        </p:nvSpPr>
+        <p:spPr>
+          <a:xfrm>
+            <a:off x="-6350" y="6629400"/>
+            <a:ext cx="9150350" cy="228600"/>
+          </a:xfrm>
+          <a:prstGeom prst="rect">
+            <a:avLst/>
+          </a:prstGeom>
+          <a:solidFill>
+            <a:srgbClr val="FF9900"/>
+          </a:solidFill>
+          <a:ln>
+            <a:noFill/>
+          </a:ln>
+          <a:effectLst>
+            <a:outerShdw blurRad="50800" dist="38100" dir="18900000" algn="bl" rotWithShape="0">
+              <a:prstClr val="black">
+                <a:alpha val="40000"/>
+              </a:prstClr>
+            </a:outerShdw>
+          </a:effectLst>
+        </p:spPr>
+        <p:style>
+          <a:lnRef idx="2">
+            <a:schemeClr val="dk1">
+              <a:shade val="50000"/>
+            </a:schemeClr>
+          </a:lnRef>
+          <a:fillRef idx="1">
+            <a:schemeClr val="dk1"/>
+          </a:fillRef>
+          <a:effectRef idx="0">
+            <a:schemeClr val="dk1"/>
+          </a:effectRef>
+          <a:fontRef idx="minor">
+            <a:schemeClr val="lt1"/>
+          </a:fontRef>
+        </p:style>
+        <p:txBody>
+          <a:bodyPr rtlCol="0" anchor="ctr"/>
+          <a:lstStyle/>
+          <a:p>
+            <a:pPr algn="ctr"/>
+            <a:endParaRPr lang="en-US">
+              <a:solidFill>
+                <a:srgbClr val="FF9933"/>
+              </a:solidFill>
+            </a:endParaRPr>
+          </a:p>
+        </p:txBody>
+      </p:sp>
+      <p:sp>
+        <p:nvSpPr>
+          <p:cNvPr id="2" name="Textfeld 1"/>
+          <p:cNvSpPr txBox="1"/>
+          <p:nvPr/>
+        </p:nvSpPr>
+        <p:spPr>
+          <a:xfrm>
+            <a:off x="0" y="268069"/>
+            <a:ext cx="9144000" cy="646331"/>
+          </a:xfrm>
+          <a:prstGeom prst="rect">
+            <a:avLst/>
+          </a:prstGeom>
+          <a:noFill/>
+        </p:spPr>
+        <p:txBody>
+          <a:bodyPr wrap="square" rtlCol="0">
+            <a:spAutoFit/>
+          </a:bodyPr>
+          <a:lstStyle/>
+          <a:p>
+            <a:r>
+              <a:rPr lang="en-US" sz="3600" b="1" cap="all" dirty="0" smtClean="0"/>
+              <a:t>Interface – The API PROBLEM</a:t>
+            </a:r>
+            <a:endParaRPr lang="en-US" sz="3600" b="1" cap="all" dirty="0"/>
+          </a:p>
+        </p:txBody>
+      </p:sp>
+      <p:sp>
+        <p:nvSpPr>
+          <p:cNvPr id="3" name="Textfeld 2"/>
+          <p:cNvSpPr txBox="1"/>
+          <p:nvPr/>
+        </p:nvSpPr>
+        <p:spPr>
+          <a:xfrm>
+            <a:off x="0" y="0"/>
+            <a:ext cx="8534400" cy="215444"/>
+          </a:xfrm>
+          <a:prstGeom prst="rect">
+            <a:avLst/>
+          </a:prstGeom>
+          <a:noFill/>
+        </p:spPr>
+        <p:txBody>
+          <a:bodyPr wrap="square" rtlCol="0">
+            <a:spAutoFit/>
+          </a:bodyPr>
+          <a:lstStyle/>
+          <a:p>
+            <a:r>
+              <a:rPr lang="it-IT" sz="800" b="1" cap="all" dirty="0" err="1" smtClean="0">
+                <a:solidFill>
+                  <a:schemeClr val="bg1"/>
+                </a:solidFill>
+              </a:rPr>
+              <a:t>MyMD</a:t>
+            </a:r>
+            <a:r>
+              <a:rPr lang="it-IT" sz="800" b="1" cap="all" dirty="0" smtClean="0">
+                <a:solidFill>
+                  <a:schemeClr val="bg1"/>
+                </a:solidFill>
+              </a:rPr>
+              <a:t>. A </a:t>
+            </a:r>
+            <a:r>
+              <a:rPr lang="it-IT" sz="800" b="1" cap="all" dirty="0" err="1" smtClean="0">
+                <a:solidFill>
+                  <a:schemeClr val="bg1"/>
+                </a:solidFill>
+              </a:rPr>
+              <a:t>program</a:t>
+            </a:r>
+            <a:r>
+              <a:rPr lang="it-IT" sz="800" b="1" cap="all" dirty="0" smtClean="0">
+                <a:solidFill>
+                  <a:schemeClr val="bg1"/>
+                </a:solidFill>
+              </a:rPr>
+              <a:t> with </a:t>
+            </a:r>
+            <a:r>
+              <a:rPr lang="it-IT" sz="800" b="1" cap="all" dirty="0" err="1" smtClean="0">
+                <a:solidFill>
+                  <a:schemeClr val="bg1"/>
+                </a:solidFill>
+              </a:rPr>
+              <a:t>potential</a:t>
+            </a:r>
+            <a:r>
+              <a:rPr lang="it-IT" sz="800" b="1" cap="all" dirty="0" smtClean="0">
+                <a:solidFill>
+                  <a:schemeClr val="bg1"/>
+                </a:solidFill>
+              </a:rPr>
+              <a:t>…</a:t>
+            </a:r>
+            <a:endParaRPr lang="en-US" sz="800" b="1" cap="all" dirty="0">
+              <a:solidFill>
+                <a:schemeClr val="bg1"/>
+              </a:solidFill>
+            </a:endParaRPr>
+          </a:p>
+        </p:txBody>
+      </p:sp>
+      <p:sp>
+        <p:nvSpPr>
+          <p:cNvPr id="18" name="TextBox 8"/>
+          <p:cNvSpPr txBox="1">
+            <a:spLocks noChangeArrowheads="1"/>
+          </p:cNvSpPr>
+          <p:nvPr/>
+        </p:nvSpPr>
+        <p:spPr bwMode="auto">
+          <a:xfrm>
+            <a:off x="0" y="6642100"/>
+            <a:ext cx="9144000" cy="230832"/>
+          </a:xfrm>
+          <a:prstGeom prst="rect">
+            <a:avLst/>
+          </a:prstGeom>
+          <a:noFill/>
+          <a:ln>
+            <a:noFill/>
+          </a:ln>
+          <a:extLst>
+            <a:ext uri="{909E8E84-426E-40dd-AFC4-6F175D3DCCD1}">
+              <a14:hiddenFill xmlns:a14="http://schemas.microsoft.com/office/drawing/2010/main">
+                <a:solidFill>
+                  <a:srgbClr val="FFFFFF"/>
+                </a:solidFill>
+              </a14:hiddenFill>
+            </a:ext>
+            <a:ext uri="{91240B29-F687-4f45-9708-019B960494DF}">
+              <a14:hiddenLine xmlns:a14="http://schemas.microsoft.com/office/drawing/2010/main" w="9525">
+                <a:solidFill>
+                  <a:srgbClr val="000000"/>
+                </a:solidFill>
+                <a:miter lim="800000"/>
+                <a:headEnd/>
+                <a:tailEnd/>
+              </a14:hiddenLine>
+            </a:ext>
+          </a:extLst>
+        </p:spPr>
+        <p:txBody>
+          <a:bodyPr>
+            <a:spAutoFit/>
+          </a:bodyPr>
+          <a:lstStyle>
+            <a:lvl1pPr eaLnBrk="0" hangingPunct="0">
+              <a:tabLst>
+                <a:tab pos="6232525" algn="ctr"/>
+                <a:tab pos="8913813" algn="r"/>
+              </a:tabLst>
+              <a:defRPr>
+                <a:solidFill>
+                  <a:schemeClr val="tx1"/>
+                </a:solidFill>
+                <a:latin typeface="Arial" charset="0"/>
+                <a:cs typeface="Arial" charset="0"/>
+              </a:defRPr>
+            </a:lvl1pPr>
+            <a:lvl2pPr marL="742950" indent="-285750" eaLnBrk="0" hangingPunct="0">
+              <a:tabLst>
+                <a:tab pos="6232525" algn="ctr"/>
+                <a:tab pos="8913813" algn="r"/>
+              </a:tabLst>
+              <a:defRPr>
+                <a:solidFill>
+                  <a:schemeClr val="tx1"/>
+                </a:solidFill>
+                <a:latin typeface="Arial" charset="0"/>
+                <a:cs typeface="Arial" charset="0"/>
+              </a:defRPr>
+            </a:lvl2pPr>
+            <a:lvl3pPr marL="1143000" indent="-228600" eaLnBrk="0" hangingPunct="0">
+              <a:tabLst>
+                <a:tab pos="6232525" algn="ctr"/>
+                <a:tab pos="8913813" algn="r"/>
+              </a:tabLst>
+              <a:defRPr>
+                <a:solidFill>
+                  <a:schemeClr val="tx1"/>
+                </a:solidFill>
+                <a:latin typeface="Arial" charset="0"/>
+                <a:cs typeface="Arial" charset="0"/>
+              </a:defRPr>
+            </a:lvl3pPr>
+            <a:lvl4pPr marL="1600200" indent="-228600" eaLnBrk="0" hangingPunct="0">
+              <a:tabLst>
+                <a:tab pos="6232525" algn="ctr"/>
+                <a:tab pos="8913813" algn="r"/>
+              </a:tabLst>
+              <a:defRPr>
+                <a:solidFill>
+                  <a:schemeClr val="tx1"/>
+                </a:solidFill>
+                <a:latin typeface="Arial" charset="0"/>
+                <a:cs typeface="Arial" charset="0"/>
+              </a:defRPr>
+            </a:lvl4pPr>
+            <a:lvl5pPr marL="2057400" indent="-228600" eaLnBrk="0" hangingPunct="0">
+              <a:tabLst>
+                <a:tab pos="6232525" algn="ctr"/>
+                <a:tab pos="8913813" algn="r"/>
+              </a:tabLst>
+              <a:defRPr>
+                <a:solidFill>
+                  <a:schemeClr val="tx1"/>
+                </a:solidFill>
+                <a:latin typeface="Arial" charset="0"/>
+                <a:cs typeface="Arial" charset="0"/>
+              </a:defRPr>
+            </a:lvl5pPr>
+            <a:lvl6pPr marL="2514600" indent="-228600" eaLnBrk="0" fontAlgn="base" hangingPunct="0">
+              <a:spcBef>
+                <a:spcPct val="0"/>
+              </a:spcBef>
+              <a:spcAft>
+                <a:spcPct val="0"/>
+              </a:spcAft>
+              <a:tabLst>
+                <a:tab pos="6232525" algn="ctr"/>
+                <a:tab pos="8913813" algn="r"/>
+              </a:tabLst>
+              <a:defRPr>
+                <a:solidFill>
+                  <a:schemeClr val="tx1"/>
+                </a:solidFill>
+                <a:latin typeface="Arial" charset="0"/>
+                <a:cs typeface="Arial" charset="0"/>
+              </a:defRPr>
+            </a:lvl6pPr>
+            <a:lvl7pPr marL="2971800" indent="-228600" eaLnBrk="0" fontAlgn="base" hangingPunct="0">
+              <a:spcBef>
+                <a:spcPct val="0"/>
+              </a:spcBef>
+              <a:spcAft>
+                <a:spcPct val="0"/>
+              </a:spcAft>
+              <a:tabLst>
+                <a:tab pos="6232525" algn="ctr"/>
+                <a:tab pos="8913813" algn="r"/>
+              </a:tabLst>
+              <a:defRPr>
+                <a:solidFill>
+                  <a:schemeClr val="tx1"/>
+                </a:solidFill>
+                <a:latin typeface="Arial" charset="0"/>
+                <a:cs typeface="Arial" charset="0"/>
+              </a:defRPr>
+            </a:lvl7pPr>
+            <a:lvl8pPr marL="3429000" indent="-228600" eaLnBrk="0" fontAlgn="base" hangingPunct="0">
+              <a:spcBef>
+                <a:spcPct val="0"/>
+              </a:spcBef>
+              <a:spcAft>
+                <a:spcPct val="0"/>
+              </a:spcAft>
+              <a:tabLst>
+                <a:tab pos="6232525" algn="ctr"/>
+                <a:tab pos="8913813" algn="r"/>
+              </a:tabLst>
+              <a:defRPr>
+                <a:solidFill>
+                  <a:schemeClr val="tx1"/>
+                </a:solidFill>
+                <a:latin typeface="Arial" charset="0"/>
+                <a:cs typeface="Arial" charset="0"/>
+              </a:defRPr>
+            </a:lvl8pPr>
+            <a:lvl9pPr marL="3886200" indent="-228600" eaLnBrk="0" fontAlgn="base" hangingPunct="0">
+              <a:spcBef>
+                <a:spcPct val="0"/>
+              </a:spcBef>
+              <a:spcAft>
+                <a:spcPct val="0"/>
+              </a:spcAft>
+              <a:tabLst>
+                <a:tab pos="6232525" algn="ctr"/>
+                <a:tab pos="8913813" algn="r"/>
+              </a:tabLst>
+              <a:defRPr>
+                <a:solidFill>
+                  <a:schemeClr val="tx1"/>
+                </a:solidFill>
+                <a:latin typeface="Arial" charset="0"/>
+                <a:cs typeface="Arial" charset="0"/>
+              </a:defRPr>
+            </a:lvl9pPr>
+          </a:lstStyle>
+          <a:p>
+            <a:pPr eaLnBrk="1" hangingPunct="1">
+              <a:tabLst>
+                <a:tab pos="6511925" algn="ctr"/>
+                <a:tab pos="8913813" algn="r"/>
+              </a:tabLst>
+            </a:pPr>
+            <a:r>
+              <a:rPr lang="en-GB" sz="900" dirty="0"/>
+              <a:t>Workshop on Computer Programming and Advanced Tools for Scientific Research Work</a:t>
+            </a:r>
+            <a:r>
+              <a:rPr lang="en-US" sz="900" dirty="0"/>
+              <a:t>	Manuel Proissl	</a:t>
+            </a:r>
+            <a:fld id="{D1FE0D4B-1F7D-4BCE-8D61-646A4526EF42}" type="slidenum">
+              <a:rPr lang="en-US" sz="900"/>
+              <a:pPr eaLnBrk="1" hangingPunct="1">
+                <a:tabLst>
+                  <a:tab pos="6511925" algn="ctr"/>
+                  <a:tab pos="8913813" algn="r"/>
+                </a:tabLst>
+              </a:pPr>
+              <a:t>6</a:t>
+            </a:fld>
+            <a:endParaRPr lang="en-US" sz="900" dirty="0"/>
+          </a:p>
+        </p:txBody>
+      </p:sp>
+      <p:sp>
+        <p:nvSpPr>
+          <p:cNvPr id="10" name="Textfeld 9"/>
+          <p:cNvSpPr txBox="1"/>
+          <p:nvPr/>
+        </p:nvSpPr>
+        <p:spPr>
+          <a:xfrm>
+            <a:off x="220494" y="1211282"/>
+            <a:ext cx="8694906" cy="3539431"/>
+          </a:xfrm>
+          <a:prstGeom prst="rect">
+            <a:avLst/>
+          </a:prstGeom>
+          <a:noFill/>
+        </p:spPr>
+        <p:txBody>
+          <a:bodyPr wrap="square" rtlCol="0">
+            <a:spAutoFit/>
+          </a:bodyPr>
+          <a:lstStyle/>
+          <a:p>
+            <a:pPr marL="285750" indent="-285750" algn="just">
+              <a:buFont typeface="Wingdings" pitchFamily="2" charset="2"/>
+              <a:buChar char="§"/>
+              <a:tabLst>
+                <a:tab pos="2335213" algn="l"/>
+              </a:tabLst>
+            </a:pPr>
+            <a:r>
+              <a:rPr lang="en-US" sz="2800" dirty="0" err="1"/>
+              <a:t>MyMD</a:t>
+            </a:r>
+            <a:r>
+              <a:rPr lang="en-US" sz="2800" dirty="0"/>
+              <a:t> code to be completely </a:t>
+            </a:r>
+            <a:r>
+              <a:rPr lang="en-US" sz="2800" dirty="0" smtClean="0"/>
+              <a:t>reorganized</a:t>
+            </a:r>
+          </a:p>
+          <a:p>
+            <a:pPr marL="285750" indent="-285750" algn="just">
+              <a:buFont typeface="Wingdings" charset="2"/>
+              <a:buChar char="Ø"/>
+              <a:tabLst>
+                <a:tab pos="2335213" algn="l"/>
+              </a:tabLst>
+            </a:pPr>
+            <a:r>
+              <a:rPr lang="en-US" sz="2800" dirty="0" smtClean="0"/>
+              <a:t>No fixed C++ API</a:t>
+            </a:r>
+          </a:p>
+          <a:p>
+            <a:pPr marL="285750" indent="-285750" algn="just">
+              <a:buFont typeface="Wingdings" charset="2"/>
+              <a:buChar char="Ø"/>
+              <a:tabLst>
+                <a:tab pos="2335213" algn="l"/>
+              </a:tabLst>
+            </a:pPr>
+            <a:r>
+              <a:rPr lang="en-US" sz="2800" dirty="0" smtClean="0"/>
+              <a:t>No working code to test against</a:t>
+            </a:r>
+          </a:p>
+          <a:p>
+            <a:pPr marL="285750" indent="-285750" algn="just">
+              <a:buFont typeface="Wingdings" charset="2"/>
+              <a:buChar char="Ø"/>
+              <a:tabLst>
+                <a:tab pos="2335213" algn="l"/>
+              </a:tabLst>
+            </a:pPr>
+            <a:r>
+              <a:rPr lang="en-US" sz="2800" dirty="0" smtClean="0"/>
+              <a:t>Decisions: </a:t>
+            </a:r>
+          </a:p>
+          <a:p>
+            <a:pPr marL="742950" lvl="1" indent="-285750" algn="just">
+              <a:buFont typeface="Wingdings" charset="2"/>
+              <a:buChar char="Ø"/>
+              <a:tabLst>
+                <a:tab pos="2335213" algn="l"/>
+              </a:tabLst>
+            </a:pPr>
+            <a:r>
+              <a:rPr lang="en-US" sz="2800" dirty="0" smtClean="0"/>
+              <a:t>Start with ‘API’ = input file format</a:t>
+            </a:r>
+          </a:p>
+          <a:p>
+            <a:pPr marL="742950" lvl="1" indent="-285750" algn="just">
+              <a:buFont typeface="Wingdings" charset="2"/>
+              <a:buChar char="Ø"/>
+              <a:tabLst>
+                <a:tab pos="2335213" algn="l"/>
+              </a:tabLst>
+            </a:pPr>
+            <a:r>
+              <a:rPr lang="en-US" sz="2800" dirty="0" smtClean="0"/>
+              <a:t>Postpone </a:t>
+            </a:r>
+            <a:r>
+              <a:rPr lang="en-US" sz="2800" dirty="0" err="1" smtClean="0"/>
+              <a:t>cython</a:t>
+            </a:r>
+            <a:r>
+              <a:rPr lang="en-US" sz="2800" dirty="0" smtClean="0"/>
+              <a:t> C++ interface to later</a:t>
+            </a:r>
+          </a:p>
+          <a:p>
+            <a:pPr marL="285750" indent="-285750" algn="just">
+              <a:buFont typeface="Wingdings" charset="2"/>
+              <a:buChar char="Ø"/>
+              <a:tabLst>
+                <a:tab pos="2335213" algn="l"/>
+              </a:tabLst>
+            </a:pPr>
+            <a:endParaRPr lang="en-US" sz="2800" dirty="0" smtClean="0"/>
+          </a:p>
+          <a:p>
+            <a:pPr marL="285750" indent="-285750" algn="just">
+              <a:buFont typeface="Wingdings" charset="2"/>
+              <a:buChar char="Ø"/>
+              <a:tabLst>
+                <a:tab pos="2335213" algn="l"/>
+              </a:tabLst>
+            </a:pPr>
+            <a:endParaRPr lang="en-GB" sz="2800" dirty="0" smtClean="0"/>
+          </a:p>
+        </p:txBody>
+      </p:sp>
+    </p:spTree>
+    <p:extLst>
+      <p:ext uri="{BB962C8B-B14F-4D97-AF65-F5344CB8AC3E}">
+        <p14:creationId xmlns:p14="http://schemas.microsoft.com/office/powerpoint/2010/main" val="967226429"/>
+      </p:ext>
+    </p:extLst>
+  </p:cSld>
+  <p:clrMapOvr>
+    <a:masterClrMapping/>
+  </p:clrMapOvr>
+  <p:timing>
+    <p:tnLst>
+      <p:par>
+        <p:cTn xmlns:p14="http://schemas.microsoft.com/office/powerpoint/2010/main" id="1" dur="indefinite" restart="never" nodeType="tmRoot"/>
+      </p:par>
+    </p:tnLst>
+  </p:timing>
+</p:sld>
+</file>
+
+<file path=ppt/slides/slide7.xml><?xml version="1.0" encoding="utf-8"?>
+<p:sld xmlns:a="http://schemas.openxmlformats.org/drawingml/2006/main" xmlns:r="http://schemas.openxmlformats.org/officeDocument/2006/relationships" xmlns:p="http://schemas.openxmlformats.org/presentationml/2006/main">
+  <p:cSld>
+    <p:spTree>
+      <p:nvGrpSpPr>
+        <p:cNvPr id="1" name=""/>
+        <p:cNvGrpSpPr/>
+        <p:nvPr/>
+      </p:nvGrpSpPr>
+      <p:grpSpPr>
+        <a:xfrm>
+          <a:off x="0" y="0"/>
+          <a:ext cx="0" cy="0"/>
+          <a:chOff x="0" y="0"/>
+          <a:chExt cx="0" cy="0"/>
+        </a:xfrm>
+      </p:grpSpPr>
+      <p:sp>
+        <p:nvSpPr>
+          <p:cNvPr id="14" name="Rechteck 13"/>
+          <p:cNvSpPr/>
+          <p:nvPr/>
+        </p:nvSpPr>
+        <p:spPr>
+          <a:xfrm>
+            <a:off x="-6350" y="228600"/>
+            <a:ext cx="9150350" cy="685800"/>
+          </a:xfrm>
+          <a:prstGeom prst="rect">
+            <a:avLst/>
+          </a:prstGeom>
+          <a:solidFill>
+            <a:srgbClr val="FF9900"/>
+          </a:solidFill>
+          <a:ln>
+            <a:noFill/>
+          </a:ln>
+          <a:effectLst>
+            <a:outerShdw blurRad="50800" dist="38100" dir="2700000" algn="tl" rotWithShape="0">
+              <a:prstClr val="black">
+                <a:alpha val="40000"/>
+              </a:prstClr>
+            </a:outerShdw>
+          </a:effectLst>
+        </p:spPr>
+        <p:style>
+          <a:lnRef idx="2">
+            <a:schemeClr val="dk1">
+              <a:shade val="50000"/>
+            </a:schemeClr>
+          </a:lnRef>
+          <a:fillRef idx="1">
+            <a:schemeClr val="dk1"/>
+          </a:fillRef>
+          <a:effectRef idx="0">
+            <a:schemeClr val="dk1"/>
+          </a:effectRef>
+          <a:fontRef idx="minor">
+            <a:schemeClr val="lt1"/>
+          </a:fontRef>
+        </p:style>
+        <p:txBody>
+          <a:bodyPr rtlCol="0" anchor="ctr"/>
+          <a:lstStyle/>
+          <a:p>
+            <a:pPr algn="ctr"/>
+            <a:endParaRPr lang="en-US">
+              <a:solidFill>
+                <a:srgbClr val="FF9933"/>
+              </a:solidFill>
+            </a:endParaRPr>
+          </a:p>
+        </p:txBody>
+      </p:sp>
+      <p:sp>
+        <p:nvSpPr>
+          <p:cNvPr id="15" name="Rechteck 14"/>
+          <p:cNvSpPr/>
+          <p:nvPr/>
+        </p:nvSpPr>
+        <p:spPr>
+          <a:xfrm>
+            <a:off x="-6350" y="0"/>
+            <a:ext cx="9150350" cy="228600"/>
+          </a:xfrm>
+          <a:prstGeom prst="rect">
+            <a:avLst/>
+          </a:prstGeom>
+          <a:solidFill>
+            <a:schemeClr val="tx1"/>
+          </a:solidFill>
+          <a:ln>
+            <a:noFill/>
+          </a:ln>
+          <a:effectLst>
+            <a:outerShdw blurRad="50800" dist="38100" dir="2700000" algn="tl" rotWithShape="0">
+              <a:prstClr val="black">
+                <a:alpha val="40000"/>
+              </a:prstClr>
+            </a:outerShdw>
+          </a:effectLst>
+        </p:spPr>
+        <p:style>
+          <a:lnRef idx="2">
+            <a:schemeClr val="dk1">
+              <a:shade val="50000"/>
+            </a:schemeClr>
+          </a:lnRef>
+          <a:fillRef idx="1">
+            <a:schemeClr val="dk1"/>
+          </a:fillRef>
+          <a:effectRef idx="0">
+            <a:schemeClr val="dk1"/>
+          </a:effectRef>
+          <a:fontRef idx="minor">
+            <a:schemeClr val="lt1"/>
+          </a:fontRef>
+        </p:style>
+        <p:txBody>
+          <a:bodyPr rtlCol="0" anchor="ctr"/>
+          <a:lstStyle/>
+          <a:p>
+            <a:pPr algn="ctr"/>
+            <a:endParaRPr lang="en-US">
+              <a:solidFill>
+                <a:srgbClr val="FF9933"/>
+              </a:solidFill>
+            </a:endParaRPr>
+          </a:p>
+        </p:txBody>
+      </p:sp>
+      <p:sp>
+        <p:nvSpPr>
+          <p:cNvPr id="17" name="Rechteck 16"/>
+          <p:cNvSpPr/>
+          <p:nvPr/>
+        </p:nvSpPr>
+        <p:spPr>
+          <a:xfrm>
+            <a:off x="-6350" y="6629400"/>
+            <a:ext cx="9150350" cy="228600"/>
+          </a:xfrm>
+          <a:prstGeom prst="rect">
+            <a:avLst/>
+          </a:prstGeom>
+          <a:solidFill>
+            <a:srgbClr val="FF9900"/>
+          </a:solidFill>
+          <a:ln>
+            <a:noFill/>
+          </a:ln>
+          <a:effectLst>
+            <a:outerShdw blurRad="50800" dist="38100" dir="18900000" algn="bl" rotWithShape="0">
+              <a:prstClr val="black">
+                <a:alpha val="40000"/>
+              </a:prstClr>
+            </a:outerShdw>
+          </a:effectLst>
+        </p:spPr>
+        <p:style>
+          <a:lnRef idx="2">
+            <a:schemeClr val="dk1">
+              <a:shade val="50000"/>
+            </a:schemeClr>
+          </a:lnRef>
+          <a:fillRef idx="1">
+            <a:schemeClr val="dk1"/>
+          </a:fillRef>
+          <a:effectRef idx="0">
+            <a:schemeClr val="dk1"/>
+          </a:effectRef>
+          <a:fontRef idx="minor">
+            <a:schemeClr val="lt1"/>
+          </a:fontRef>
+        </p:style>
+        <p:txBody>
+          <a:bodyPr rtlCol="0" anchor="ctr"/>
+          <a:lstStyle/>
+          <a:p>
+            <a:pPr algn="ctr"/>
+            <a:endParaRPr lang="en-US">
+              <a:solidFill>
+                <a:srgbClr val="FF9933"/>
+              </a:solidFill>
+            </a:endParaRPr>
+          </a:p>
+        </p:txBody>
+      </p:sp>
+      <p:sp>
+        <p:nvSpPr>
+          <p:cNvPr id="2" name="Textfeld 1"/>
+          <p:cNvSpPr txBox="1"/>
+          <p:nvPr/>
+        </p:nvSpPr>
+        <p:spPr>
+          <a:xfrm>
+            <a:off x="0" y="268069"/>
+            <a:ext cx="9144000" cy="646331"/>
+          </a:xfrm>
+          <a:prstGeom prst="rect">
+            <a:avLst/>
+          </a:prstGeom>
+          <a:noFill/>
+        </p:spPr>
+        <p:txBody>
+          <a:bodyPr wrap="square" rtlCol="0">
+            <a:spAutoFit/>
+          </a:bodyPr>
+          <a:lstStyle/>
+          <a:p>
+            <a:r>
+              <a:rPr lang="en-US" sz="3600" b="1" cap="all" dirty="0" smtClean="0"/>
+              <a:t>Interface – The TIME </a:t>
+            </a:r>
+            <a:r>
+              <a:rPr lang="en-US" sz="3600" b="1" cap="all" dirty="0" err="1" smtClean="0"/>
+              <a:t>PRoblem</a:t>
+            </a:r>
+            <a:endParaRPr lang="en-US" sz="3600" b="1" cap="all" dirty="0"/>
+          </a:p>
+        </p:txBody>
+      </p:sp>
+      <p:sp>
+        <p:nvSpPr>
+          <p:cNvPr id="3" name="Textfeld 2"/>
+          <p:cNvSpPr txBox="1"/>
+          <p:nvPr/>
+        </p:nvSpPr>
+        <p:spPr>
+          <a:xfrm>
+            <a:off x="0" y="0"/>
+            <a:ext cx="8534400" cy="215444"/>
+          </a:xfrm>
+          <a:prstGeom prst="rect">
+            <a:avLst/>
+          </a:prstGeom>
+          <a:noFill/>
+        </p:spPr>
+        <p:txBody>
+          <a:bodyPr wrap="square" rtlCol="0">
+            <a:spAutoFit/>
+          </a:bodyPr>
+          <a:lstStyle/>
+          <a:p>
+            <a:r>
+              <a:rPr lang="it-IT" sz="800" b="1" cap="all" dirty="0" err="1" smtClean="0">
+                <a:solidFill>
+                  <a:schemeClr val="bg1"/>
+                </a:solidFill>
+              </a:rPr>
+              <a:t>MyMD</a:t>
+            </a:r>
+            <a:r>
+              <a:rPr lang="it-IT" sz="800" b="1" cap="all" dirty="0" smtClean="0">
+                <a:solidFill>
+                  <a:schemeClr val="bg1"/>
+                </a:solidFill>
+              </a:rPr>
+              <a:t>. A </a:t>
+            </a:r>
+            <a:r>
+              <a:rPr lang="it-IT" sz="800" b="1" cap="all" dirty="0" err="1" smtClean="0">
+                <a:solidFill>
+                  <a:schemeClr val="bg1"/>
+                </a:solidFill>
+              </a:rPr>
+              <a:t>program</a:t>
+            </a:r>
+            <a:r>
+              <a:rPr lang="it-IT" sz="800" b="1" cap="all" dirty="0" smtClean="0">
+                <a:solidFill>
+                  <a:schemeClr val="bg1"/>
+                </a:solidFill>
+              </a:rPr>
+              <a:t> with </a:t>
+            </a:r>
+            <a:r>
+              <a:rPr lang="it-IT" sz="800" b="1" cap="all" dirty="0" err="1" smtClean="0">
+                <a:solidFill>
+                  <a:schemeClr val="bg1"/>
+                </a:solidFill>
+              </a:rPr>
+              <a:t>potential</a:t>
+            </a:r>
+            <a:r>
+              <a:rPr lang="it-IT" sz="800" b="1" cap="all" dirty="0" smtClean="0">
+                <a:solidFill>
+                  <a:schemeClr val="bg1"/>
+                </a:solidFill>
+              </a:rPr>
+              <a:t>…</a:t>
+            </a:r>
+            <a:endParaRPr lang="en-US" sz="800" b="1" cap="all" dirty="0">
+              <a:solidFill>
+                <a:schemeClr val="bg1"/>
+              </a:solidFill>
+            </a:endParaRPr>
+          </a:p>
+        </p:txBody>
+      </p:sp>
+      <p:sp>
+        <p:nvSpPr>
+          <p:cNvPr id="18" name="TextBox 8"/>
+          <p:cNvSpPr txBox="1">
+            <a:spLocks noChangeArrowheads="1"/>
+          </p:cNvSpPr>
+          <p:nvPr/>
+        </p:nvSpPr>
+        <p:spPr bwMode="auto">
+          <a:xfrm>
+            <a:off x="0" y="6642100"/>
+            <a:ext cx="9144000" cy="230832"/>
+          </a:xfrm>
+          <a:prstGeom prst="rect">
+            <a:avLst/>
+          </a:prstGeom>
+          <a:noFill/>
+          <a:ln>
+            <a:noFill/>
+          </a:ln>
+          <a:extLst>
+            <a:ext uri="{909E8E84-426E-40dd-AFC4-6F175D3DCCD1}">
+              <a14:hiddenFill xmlns:a14="http://schemas.microsoft.com/office/drawing/2010/main">
+                <a:solidFill>
+                  <a:srgbClr val="FFFFFF"/>
+                </a:solidFill>
+              </a14:hiddenFill>
+            </a:ext>
+            <a:ext uri="{91240B29-F687-4f45-9708-019B960494DF}">
+              <a14:hiddenLine xmlns:a14="http://schemas.microsoft.com/office/drawing/2010/main" w="9525">
+                <a:solidFill>
+                  <a:srgbClr val="000000"/>
+                </a:solidFill>
+                <a:miter lim="800000"/>
+                <a:headEnd/>
+                <a:tailEnd/>
+              </a14:hiddenLine>
+            </a:ext>
+          </a:extLst>
+        </p:spPr>
+        <p:txBody>
+          <a:bodyPr>
+            <a:spAutoFit/>
+          </a:bodyPr>
+          <a:lstStyle>
+            <a:lvl1pPr eaLnBrk="0" hangingPunct="0">
+              <a:tabLst>
+                <a:tab pos="6232525" algn="ctr"/>
+                <a:tab pos="8913813" algn="r"/>
+              </a:tabLst>
+              <a:defRPr>
+                <a:solidFill>
+                  <a:schemeClr val="tx1"/>
+                </a:solidFill>
+                <a:latin typeface="Arial" charset="0"/>
+                <a:cs typeface="Arial" charset="0"/>
+              </a:defRPr>
+            </a:lvl1pPr>
+            <a:lvl2pPr marL="742950" indent="-285750" eaLnBrk="0" hangingPunct="0">
+              <a:tabLst>
+                <a:tab pos="6232525" algn="ctr"/>
+                <a:tab pos="8913813" algn="r"/>
+              </a:tabLst>
+              <a:defRPr>
+                <a:solidFill>
+                  <a:schemeClr val="tx1"/>
+                </a:solidFill>
+                <a:latin typeface="Arial" charset="0"/>
+                <a:cs typeface="Arial" charset="0"/>
+              </a:defRPr>
+            </a:lvl2pPr>
+            <a:lvl3pPr marL="1143000" indent="-228600" eaLnBrk="0" hangingPunct="0">
+              <a:tabLst>
+                <a:tab pos="6232525" algn="ctr"/>
+                <a:tab pos="8913813" algn="r"/>
+              </a:tabLst>
+              <a:defRPr>
+                <a:solidFill>
+                  <a:schemeClr val="tx1"/>
+                </a:solidFill>
+                <a:latin typeface="Arial" charset="0"/>
+                <a:cs typeface="Arial" charset="0"/>
+              </a:defRPr>
+            </a:lvl3pPr>
+            <a:lvl4pPr marL="1600200" indent="-228600" eaLnBrk="0" hangingPunct="0">
+              <a:tabLst>
+                <a:tab pos="6232525" algn="ctr"/>
+                <a:tab pos="8913813" algn="r"/>
+              </a:tabLst>
+              <a:defRPr>
+                <a:solidFill>
+                  <a:schemeClr val="tx1"/>
+                </a:solidFill>
+                <a:latin typeface="Arial" charset="0"/>
+                <a:cs typeface="Arial" charset="0"/>
+              </a:defRPr>
+            </a:lvl4pPr>
+            <a:lvl5pPr marL="2057400" indent="-228600" eaLnBrk="0" hangingPunct="0">
+              <a:tabLst>
+                <a:tab pos="6232525" algn="ctr"/>
+                <a:tab pos="8913813" algn="r"/>
+              </a:tabLst>
+              <a:defRPr>
+                <a:solidFill>
+                  <a:schemeClr val="tx1"/>
+                </a:solidFill>
+                <a:latin typeface="Arial" charset="0"/>
+                <a:cs typeface="Arial" charset="0"/>
+              </a:defRPr>
+            </a:lvl5pPr>
+            <a:lvl6pPr marL="2514600" indent="-228600" eaLnBrk="0" fontAlgn="base" hangingPunct="0">
+              <a:spcBef>
+                <a:spcPct val="0"/>
+              </a:spcBef>
+              <a:spcAft>
+                <a:spcPct val="0"/>
+              </a:spcAft>
+              <a:tabLst>
+                <a:tab pos="6232525" algn="ctr"/>
+                <a:tab pos="8913813" algn="r"/>
+              </a:tabLst>
+              <a:defRPr>
+                <a:solidFill>
+                  <a:schemeClr val="tx1"/>
+                </a:solidFill>
+                <a:latin typeface="Arial" charset="0"/>
+                <a:cs typeface="Arial" charset="0"/>
+              </a:defRPr>
+            </a:lvl6pPr>
+            <a:lvl7pPr marL="2971800" indent="-228600" eaLnBrk="0" fontAlgn="base" hangingPunct="0">
+              <a:spcBef>
+                <a:spcPct val="0"/>
+              </a:spcBef>
+              <a:spcAft>
+                <a:spcPct val="0"/>
+              </a:spcAft>
+              <a:tabLst>
+                <a:tab pos="6232525" algn="ctr"/>
+                <a:tab pos="8913813" algn="r"/>
+              </a:tabLst>
+              <a:defRPr>
+                <a:solidFill>
+                  <a:schemeClr val="tx1"/>
+                </a:solidFill>
+                <a:latin typeface="Arial" charset="0"/>
+                <a:cs typeface="Arial" charset="0"/>
+              </a:defRPr>
+            </a:lvl7pPr>
+            <a:lvl8pPr marL="3429000" indent="-228600" eaLnBrk="0" fontAlgn="base" hangingPunct="0">
+              <a:spcBef>
+                <a:spcPct val="0"/>
+              </a:spcBef>
+              <a:spcAft>
+                <a:spcPct val="0"/>
+              </a:spcAft>
+              <a:tabLst>
+                <a:tab pos="6232525" algn="ctr"/>
+                <a:tab pos="8913813" algn="r"/>
+              </a:tabLst>
+              <a:defRPr>
+                <a:solidFill>
+                  <a:schemeClr val="tx1"/>
+                </a:solidFill>
+                <a:latin typeface="Arial" charset="0"/>
+                <a:cs typeface="Arial" charset="0"/>
+              </a:defRPr>
+            </a:lvl8pPr>
+            <a:lvl9pPr marL="3886200" indent="-228600" eaLnBrk="0" fontAlgn="base" hangingPunct="0">
+              <a:spcBef>
+                <a:spcPct val="0"/>
+              </a:spcBef>
+              <a:spcAft>
+                <a:spcPct val="0"/>
+              </a:spcAft>
+              <a:tabLst>
+                <a:tab pos="6232525" algn="ctr"/>
+                <a:tab pos="8913813" algn="r"/>
+              </a:tabLst>
+              <a:defRPr>
+                <a:solidFill>
+                  <a:schemeClr val="tx1"/>
+                </a:solidFill>
+                <a:latin typeface="Arial" charset="0"/>
+                <a:cs typeface="Arial" charset="0"/>
+              </a:defRPr>
+            </a:lvl9pPr>
+          </a:lstStyle>
+          <a:p>
+            <a:pPr eaLnBrk="1" hangingPunct="1">
+              <a:tabLst>
+                <a:tab pos="6511925" algn="ctr"/>
+                <a:tab pos="8913813" algn="r"/>
+              </a:tabLst>
+            </a:pPr>
+            <a:r>
+              <a:rPr lang="en-GB" sz="900" dirty="0"/>
+              <a:t>Workshop on Computer Programming and Advanced Tools for Scientific Research Work</a:t>
+            </a:r>
+            <a:r>
+              <a:rPr lang="en-US" sz="900" dirty="0"/>
+              <a:t>	Manuel Proissl	</a:t>
+            </a:r>
+            <a:fld id="{D1FE0D4B-1F7D-4BCE-8D61-646A4526EF42}" type="slidenum">
+              <a:rPr lang="en-US" sz="900"/>
+              <a:pPr eaLnBrk="1" hangingPunct="1">
+                <a:tabLst>
+                  <a:tab pos="6511925" algn="ctr"/>
+                  <a:tab pos="8913813" algn="r"/>
+                </a:tabLst>
+              </a:pPr>
+              <a:t>7</a:t>
+            </a:fld>
+            <a:endParaRPr lang="en-US" sz="900" dirty="0"/>
+          </a:p>
+        </p:txBody>
+      </p:sp>
+      <p:sp>
+        <p:nvSpPr>
+          <p:cNvPr id="10" name="Textfeld 9"/>
+          <p:cNvSpPr txBox="1"/>
+          <p:nvPr/>
+        </p:nvSpPr>
+        <p:spPr>
+          <a:xfrm>
+            <a:off x="220494" y="1266646"/>
+            <a:ext cx="8694906" cy="2246769"/>
+          </a:xfrm>
+          <a:prstGeom prst="rect">
+            <a:avLst/>
+          </a:prstGeom>
+          <a:noFill/>
+        </p:spPr>
+        <p:txBody>
+          <a:bodyPr wrap="square" rtlCol="0">
+            <a:spAutoFit/>
+          </a:bodyPr>
+          <a:lstStyle/>
+          <a:p>
+            <a:pPr marL="285750" indent="-285750" algn="just">
+              <a:buFont typeface="Wingdings" pitchFamily="2" charset="2"/>
+              <a:buChar char="§"/>
+              <a:tabLst>
+                <a:tab pos="2335213" algn="l"/>
+              </a:tabLst>
+            </a:pPr>
+            <a:r>
+              <a:rPr lang="en-US" sz="2800" dirty="0" smtClean="0"/>
+              <a:t>Coding a usable interface = lot of work</a:t>
+            </a:r>
+          </a:p>
+          <a:p>
+            <a:pPr marL="285750" indent="-285750" algn="just">
+              <a:buFont typeface="Wingdings" pitchFamily="2" charset="2"/>
+              <a:buChar char="§"/>
+              <a:tabLst>
+                <a:tab pos="2335213" algn="l"/>
+              </a:tabLst>
+            </a:pPr>
+            <a:r>
+              <a:rPr lang="en-US" sz="2800" dirty="0"/>
+              <a:t>4 x ½ day = not a </a:t>
+            </a:r>
+            <a:r>
+              <a:rPr lang="en-US" sz="2800" dirty="0" smtClean="0"/>
+              <a:t>lot time</a:t>
+            </a:r>
+          </a:p>
+          <a:p>
+            <a:pPr marL="457200" indent="-457200" algn="just">
+              <a:buFont typeface="Wingdings" charset="2"/>
+              <a:buChar char="Ø"/>
+              <a:tabLst>
+                <a:tab pos="2335213" algn="l"/>
+              </a:tabLst>
+            </a:pPr>
+            <a:r>
+              <a:rPr lang="en-US" sz="2800" dirty="0" smtClean="0"/>
+              <a:t>What can we do?</a:t>
+            </a:r>
+            <a:br>
+              <a:rPr lang="en-US" sz="2800" dirty="0" smtClean="0"/>
+            </a:br>
+            <a:r>
+              <a:rPr lang="en-US" sz="2800" dirty="0" smtClean="0"/>
+              <a:t>Check what already has been done for us!</a:t>
+            </a:r>
+          </a:p>
+          <a:p>
+            <a:pPr marL="285750" indent="-285750" algn="just">
+              <a:buFont typeface="Wingdings" charset="2"/>
+              <a:buChar char="Ø"/>
+              <a:tabLst>
+                <a:tab pos="2335213" algn="l"/>
+              </a:tabLst>
+            </a:pPr>
+            <a:endParaRPr lang="en-GB" sz="2800" dirty="0" smtClean="0"/>
+          </a:p>
+        </p:txBody>
+      </p:sp>
+    </p:spTree>
+    <p:extLst>
+      <p:ext uri="{BB962C8B-B14F-4D97-AF65-F5344CB8AC3E}">
+        <p14:creationId xmlns:p14="http://schemas.microsoft.com/office/powerpoint/2010/main" val="1742186473"/>
+      </p:ext>
+    </p:extLst>
+  </p:cSld>
+  <p:clrMapOvr>
+    <a:masterClrMapping/>
+  </p:clrMapOvr>
+  <p:timing>
+    <p:tnLst>
+      <p:par>
+        <p:cTn xmlns:p14="http://schemas.microsoft.com/office/powerpoint/2010/main" id="1" dur="indefinite" restart="never" nodeType="tmRoot"/>
+      </p:par>
+    </p:tnLst>
+  </p:timing>
+</p:sld>
+</file>
+
+<file path=ppt/slides/slide8.xml><?xml version="1.0" encoding="utf-8"?>
+<p:sld xmlns:a="http://schemas.openxmlformats.org/drawingml/2006/main" xmlns:r="http://schemas.openxmlformats.org/officeDocument/2006/relationships" xmlns:p="http://schemas.openxmlformats.org/presentationml/2006/main">
+  <p:cSld>
+    <p:spTree>
+      <p:nvGrpSpPr>
+        <p:cNvPr id="1" name=""/>
+        <p:cNvGrpSpPr/>
+        <p:nvPr/>
+      </p:nvGrpSpPr>
+      <p:grpSpPr>
+        <a:xfrm>
+          <a:off x="0" y="0"/>
+          <a:ext cx="0" cy="0"/>
+          <a:chOff x="0" y="0"/>
+          <a:chExt cx="0" cy="0"/>
+        </a:xfrm>
+      </p:grpSpPr>
+      <p:sp>
+        <p:nvSpPr>
+          <p:cNvPr id="14" name="Rechteck 13"/>
+          <p:cNvSpPr/>
+          <p:nvPr/>
+        </p:nvSpPr>
+        <p:spPr>
+          <a:xfrm>
+            <a:off x="-6350" y="228600"/>
+            <a:ext cx="9150350" cy="685800"/>
+          </a:xfrm>
+          <a:prstGeom prst="rect">
+            <a:avLst/>
+          </a:prstGeom>
+          <a:solidFill>
+            <a:srgbClr val="FF9900"/>
+          </a:solidFill>
+          <a:ln>
+            <a:noFill/>
+          </a:ln>
+          <a:effectLst>
+            <a:outerShdw blurRad="50800" dist="38100" dir="2700000" algn="tl" rotWithShape="0">
+              <a:prstClr val="black">
+                <a:alpha val="40000"/>
+              </a:prstClr>
+            </a:outerShdw>
+          </a:effectLst>
+        </p:spPr>
+        <p:style>
+          <a:lnRef idx="2">
+            <a:schemeClr val="dk1">
+              <a:shade val="50000"/>
+            </a:schemeClr>
+          </a:lnRef>
+          <a:fillRef idx="1">
+            <a:schemeClr val="dk1"/>
+          </a:fillRef>
+          <a:effectRef idx="0">
+            <a:schemeClr val="dk1"/>
+          </a:effectRef>
+          <a:fontRef idx="minor">
+            <a:schemeClr val="lt1"/>
+          </a:fontRef>
+        </p:style>
+        <p:txBody>
+          <a:bodyPr rtlCol="0" anchor="ctr"/>
+          <a:lstStyle/>
+          <a:p>
+            <a:pPr algn="ctr"/>
+            <a:endParaRPr lang="en-US">
+              <a:solidFill>
+                <a:srgbClr val="FF9933"/>
+              </a:solidFill>
+            </a:endParaRPr>
+          </a:p>
+        </p:txBody>
+      </p:sp>
+      <p:sp>
+        <p:nvSpPr>
+          <p:cNvPr id="15" name="Rechteck 14"/>
+          <p:cNvSpPr/>
+          <p:nvPr/>
+        </p:nvSpPr>
+        <p:spPr>
+          <a:xfrm>
+            <a:off x="-6350" y="0"/>
+            <a:ext cx="9150350" cy="228600"/>
+          </a:xfrm>
+          <a:prstGeom prst="rect">
+            <a:avLst/>
+          </a:prstGeom>
+          <a:solidFill>
+            <a:schemeClr val="tx1"/>
+          </a:solidFill>
+          <a:ln>
+            <a:noFill/>
+          </a:ln>
+          <a:effectLst>
+            <a:outerShdw blurRad="50800" dist="38100" dir="2700000" algn="tl" rotWithShape="0">
+              <a:prstClr val="black">
+                <a:alpha val="40000"/>
+              </a:prstClr>
+            </a:outerShdw>
+          </a:effectLst>
+        </p:spPr>
+        <p:style>
+          <a:lnRef idx="2">
+            <a:schemeClr val="dk1">
+              <a:shade val="50000"/>
+            </a:schemeClr>
+          </a:lnRef>
+          <a:fillRef idx="1">
+            <a:schemeClr val="dk1"/>
+          </a:fillRef>
+          <a:effectRef idx="0">
+            <a:schemeClr val="dk1"/>
+          </a:effectRef>
+          <a:fontRef idx="minor">
+            <a:schemeClr val="lt1"/>
+          </a:fontRef>
+        </p:style>
+        <p:txBody>
+          <a:bodyPr rtlCol="0" anchor="ctr"/>
+          <a:lstStyle/>
+          <a:p>
+            <a:pPr algn="ctr"/>
+            <a:endParaRPr lang="en-US">
+              <a:solidFill>
+                <a:srgbClr val="FF9933"/>
+              </a:solidFill>
+            </a:endParaRPr>
+          </a:p>
+        </p:txBody>
+      </p:sp>
+      <p:sp>
+        <p:nvSpPr>
+          <p:cNvPr id="17" name="Rechteck 16"/>
+          <p:cNvSpPr/>
+          <p:nvPr/>
+        </p:nvSpPr>
+        <p:spPr>
+          <a:xfrm>
+            <a:off x="-6350" y="6629400"/>
+            <a:ext cx="9150350" cy="228600"/>
+          </a:xfrm>
+          <a:prstGeom prst="rect">
+            <a:avLst/>
+          </a:prstGeom>
+          <a:solidFill>
+            <a:srgbClr val="FF9900"/>
+          </a:solidFill>
+          <a:ln>
+            <a:noFill/>
+          </a:ln>
+          <a:effectLst>
+            <a:outerShdw blurRad="50800" dist="38100" dir="18900000" algn="bl" rotWithShape="0">
+              <a:prstClr val="black">
+                <a:alpha val="40000"/>
+              </a:prstClr>
+            </a:outerShdw>
+          </a:effectLst>
+        </p:spPr>
+        <p:style>
+          <a:lnRef idx="2">
+            <a:schemeClr val="dk1">
+              <a:shade val="50000"/>
+            </a:schemeClr>
+          </a:lnRef>
+          <a:fillRef idx="1">
+            <a:schemeClr val="dk1"/>
+          </a:fillRef>
+          <a:effectRef idx="0">
+            <a:schemeClr val="dk1"/>
+          </a:effectRef>
+          <a:fontRef idx="minor">
+            <a:schemeClr val="lt1"/>
+          </a:fontRef>
+        </p:style>
+        <p:txBody>
+          <a:bodyPr rtlCol="0" anchor="ctr"/>
+          <a:lstStyle/>
+          <a:p>
+            <a:pPr algn="ctr"/>
+            <a:endParaRPr lang="en-US">
+              <a:solidFill>
+                <a:srgbClr val="FF9933"/>
+              </a:solidFill>
+            </a:endParaRPr>
+          </a:p>
+        </p:txBody>
+      </p:sp>
+      <p:sp>
+        <p:nvSpPr>
+          <p:cNvPr id="2" name="Textfeld 1"/>
+          <p:cNvSpPr txBox="1"/>
+          <p:nvPr/>
+        </p:nvSpPr>
+        <p:spPr>
+          <a:xfrm>
+            <a:off x="0" y="268069"/>
+            <a:ext cx="9144000" cy="646331"/>
+          </a:xfrm>
+          <a:prstGeom prst="rect">
+            <a:avLst/>
+          </a:prstGeom>
+          <a:noFill/>
+        </p:spPr>
+        <p:txBody>
+          <a:bodyPr wrap="square" rtlCol="0">
+            <a:spAutoFit/>
+          </a:bodyPr>
+          <a:lstStyle/>
+          <a:p>
+            <a:r>
+              <a:rPr lang="en-US" sz="3600" b="1" cap="all" dirty="0" smtClean="0"/>
+              <a:t>Interface – ASE</a:t>
+            </a:r>
+            <a:endParaRPr lang="en-US" sz="3600" b="1" cap="all" dirty="0"/>
+          </a:p>
+        </p:txBody>
+      </p:sp>
+      <p:sp>
+        <p:nvSpPr>
+          <p:cNvPr id="3" name="Textfeld 2"/>
+          <p:cNvSpPr txBox="1"/>
+          <p:nvPr/>
+        </p:nvSpPr>
+        <p:spPr>
+          <a:xfrm>
+            <a:off x="0" y="0"/>
+            <a:ext cx="8534400" cy="215444"/>
+          </a:xfrm>
+          <a:prstGeom prst="rect">
+            <a:avLst/>
+          </a:prstGeom>
+          <a:noFill/>
+        </p:spPr>
+        <p:txBody>
+          <a:bodyPr wrap="square" rtlCol="0">
+            <a:spAutoFit/>
+          </a:bodyPr>
+          <a:lstStyle/>
+          <a:p>
+            <a:r>
+              <a:rPr lang="it-IT" sz="800" b="1" cap="all" dirty="0" err="1" smtClean="0">
+                <a:solidFill>
+                  <a:schemeClr val="bg1"/>
+                </a:solidFill>
+              </a:rPr>
+              <a:t>MyMD</a:t>
+            </a:r>
+            <a:r>
+              <a:rPr lang="it-IT" sz="800" b="1" cap="all" dirty="0" smtClean="0">
+                <a:solidFill>
+                  <a:schemeClr val="bg1"/>
+                </a:solidFill>
+              </a:rPr>
+              <a:t>. A </a:t>
+            </a:r>
+            <a:r>
+              <a:rPr lang="it-IT" sz="800" b="1" cap="all" dirty="0" err="1" smtClean="0">
+                <a:solidFill>
+                  <a:schemeClr val="bg1"/>
+                </a:solidFill>
+              </a:rPr>
+              <a:t>program</a:t>
+            </a:r>
+            <a:r>
+              <a:rPr lang="it-IT" sz="800" b="1" cap="all" dirty="0" smtClean="0">
+                <a:solidFill>
+                  <a:schemeClr val="bg1"/>
+                </a:solidFill>
+              </a:rPr>
+              <a:t> with </a:t>
+            </a:r>
+            <a:r>
+              <a:rPr lang="it-IT" sz="800" b="1" cap="all" dirty="0" err="1" smtClean="0">
+                <a:solidFill>
+                  <a:schemeClr val="bg1"/>
+                </a:solidFill>
+              </a:rPr>
+              <a:t>potential</a:t>
+            </a:r>
+            <a:r>
+              <a:rPr lang="it-IT" sz="800" b="1" cap="all" dirty="0" smtClean="0">
+                <a:solidFill>
+                  <a:schemeClr val="bg1"/>
+                </a:solidFill>
+              </a:rPr>
+              <a:t>…</a:t>
+            </a:r>
+            <a:endParaRPr lang="en-US" sz="800" b="1" cap="all" dirty="0">
+              <a:solidFill>
+                <a:schemeClr val="bg1"/>
+              </a:solidFill>
+            </a:endParaRPr>
+          </a:p>
+        </p:txBody>
+      </p:sp>
+      <p:sp>
+        <p:nvSpPr>
+          <p:cNvPr id="18" name="TextBox 8"/>
+          <p:cNvSpPr txBox="1">
+            <a:spLocks noChangeArrowheads="1"/>
+          </p:cNvSpPr>
+          <p:nvPr/>
+        </p:nvSpPr>
+        <p:spPr bwMode="auto">
+          <a:xfrm>
+            <a:off x="0" y="6642100"/>
+            <a:ext cx="9144000" cy="230832"/>
+          </a:xfrm>
+          <a:prstGeom prst="rect">
+            <a:avLst/>
+          </a:prstGeom>
+          <a:noFill/>
+          <a:ln>
+            <a:noFill/>
+          </a:ln>
+          <a:extLst>
+            <a:ext uri="{909E8E84-426E-40dd-AFC4-6F175D3DCCD1}">
+              <a14:hiddenFill xmlns:a14="http://schemas.microsoft.com/office/drawing/2010/main">
+                <a:solidFill>
+                  <a:srgbClr val="FFFFFF"/>
+                </a:solidFill>
+              </a14:hiddenFill>
+            </a:ext>
+            <a:ext uri="{91240B29-F687-4f45-9708-019B960494DF}">
+              <a14:hiddenLine xmlns:a14="http://schemas.microsoft.com/office/drawing/2010/main" w="9525">
+                <a:solidFill>
+                  <a:srgbClr val="000000"/>
+                </a:solidFill>
+                <a:miter lim="800000"/>
+                <a:headEnd/>
+                <a:tailEnd/>
+              </a14:hiddenLine>
+            </a:ext>
+          </a:extLst>
+        </p:spPr>
+        <p:txBody>
+          <a:bodyPr>
+            <a:spAutoFit/>
+          </a:bodyPr>
+          <a:lstStyle>
+            <a:lvl1pPr eaLnBrk="0" hangingPunct="0">
+              <a:tabLst>
+                <a:tab pos="6232525" algn="ctr"/>
+                <a:tab pos="8913813" algn="r"/>
+              </a:tabLst>
+              <a:defRPr>
+                <a:solidFill>
+                  <a:schemeClr val="tx1"/>
+                </a:solidFill>
+                <a:latin typeface="Arial" charset="0"/>
+                <a:cs typeface="Arial" charset="0"/>
+              </a:defRPr>
+            </a:lvl1pPr>
+            <a:lvl2pPr marL="742950" indent="-285750" eaLnBrk="0" hangingPunct="0">
+              <a:tabLst>
+                <a:tab pos="6232525" algn="ctr"/>
+                <a:tab pos="8913813" algn="r"/>
+              </a:tabLst>
+              <a:defRPr>
+                <a:solidFill>
+                  <a:schemeClr val="tx1"/>
+                </a:solidFill>
+                <a:latin typeface="Arial" charset="0"/>
+                <a:cs typeface="Arial" charset="0"/>
+              </a:defRPr>
+            </a:lvl2pPr>
+            <a:lvl3pPr marL="1143000" indent="-228600" eaLnBrk="0" hangingPunct="0">
+              <a:tabLst>
+                <a:tab pos="6232525" algn="ctr"/>
+                <a:tab pos="8913813" algn="r"/>
+              </a:tabLst>
+              <a:defRPr>
+                <a:solidFill>
+                  <a:schemeClr val="tx1"/>
+                </a:solidFill>
+                <a:latin typeface="Arial" charset="0"/>
+                <a:cs typeface="Arial" charset="0"/>
+              </a:defRPr>
+            </a:lvl3pPr>
+            <a:lvl4pPr marL="1600200" indent="-228600" eaLnBrk="0" hangingPunct="0">
+              <a:tabLst>
+                <a:tab pos="6232525" algn="ctr"/>
+                <a:tab pos="8913813" algn="r"/>
+              </a:tabLst>
+              <a:defRPr>
+                <a:solidFill>
+                  <a:schemeClr val="tx1"/>
+                </a:solidFill>
+                <a:latin typeface="Arial" charset="0"/>
+                <a:cs typeface="Arial" charset="0"/>
+              </a:defRPr>
+            </a:lvl4pPr>
+            <a:lvl5pPr marL="2057400" indent="-228600" eaLnBrk="0" hangingPunct="0">
+              <a:tabLst>
+                <a:tab pos="6232525" algn="ctr"/>
+                <a:tab pos="8913813" algn="r"/>
+              </a:tabLst>
+              <a:defRPr>
+                <a:solidFill>
+                  <a:schemeClr val="tx1"/>
+                </a:solidFill>
+                <a:latin typeface="Arial" charset="0"/>
+                <a:cs typeface="Arial" charset="0"/>
+              </a:defRPr>
+            </a:lvl5pPr>
+            <a:lvl6pPr marL="2514600" indent="-228600" eaLnBrk="0" fontAlgn="base" hangingPunct="0">
+              <a:spcBef>
+                <a:spcPct val="0"/>
+              </a:spcBef>
+              <a:spcAft>
+                <a:spcPct val="0"/>
+              </a:spcAft>
+              <a:tabLst>
+                <a:tab pos="6232525" algn="ctr"/>
+                <a:tab pos="8913813" algn="r"/>
+              </a:tabLst>
+              <a:defRPr>
+                <a:solidFill>
+                  <a:schemeClr val="tx1"/>
+                </a:solidFill>
+                <a:latin typeface="Arial" charset="0"/>
+                <a:cs typeface="Arial" charset="0"/>
+              </a:defRPr>
+            </a:lvl6pPr>
+            <a:lvl7pPr marL="2971800" indent="-228600" eaLnBrk="0" fontAlgn="base" hangingPunct="0">
+              <a:spcBef>
+                <a:spcPct val="0"/>
+              </a:spcBef>
+              <a:spcAft>
+                <a:spcPct val="0"/>
+              </a:spcAft>
+              <a:tabLst>
+                <a:tab pos="6232525" algn="ctr"/>
+                <a:tab pos="8913813" algn="r"/>
+              </a:tabLst>
+              <a:defRPr>
+                <a:solidFill>
+                  <a:schemeClr val="tx1"/>
+                </a:solidFill>
+                <a:latin typeface="Arial" charset="0"/>
+                <a:cs typeface="Arial" charset="0"/>
+              </a:defRPr>
+            </a:lvl7pPr>
+            <a:lvl8pPr marL="3429000" indent="-228600" eaLnBrk="0" fontAlgn="base" hangingPunct="0">
+              <a:spcBef>
+                <a:spcPct val="0"/>
+              </a:spcBef>
+              <a:spcAft>
+                <a:spcPct val="0"/>
+              </a:spcAft>
+              <a:tabLst>
+                <a:tab pos="6232525" algn="ctr"/>
+                <a:tab pos="8913813" algn="r"/>
+              </a:tabLst>
+              <a:defRPr>
+                <a:solidFill>
+                  <a:schemeClr val="tx1"/>
+                </a:solidFill>
+                <a:latin typeface="Arial" charset="0"/>
+                <a:cs typeface="Arial" charset="0"/>
+              </a:defRPr>
+            </a:lvl8pPr>
+            <a:lvl9pPr marL="3886200" indent="-228600" eaLnBrk="0" fontAlgn="base" hangingPunct="0">
+              <a:spcBef>
+                <a:spcPct val="0"/>
+              </a:spcBef>
+              <a:spcAft>
+                <a:spcPct val="0"/>
+              </a:spcAft>
+              <a:tabLst>
+                <a:tab pos="6232525" algn="ctr"/>
+                <a:tab pos="8913813" algn="r"/>
+              </a:tabLst>
+              <a:defRPr>
+                <a:solidFill>
+                  <a:schemeClr val="tx1"/>
+                </a:solidFill>
+                <a:latin typeface="Arial" charset="0"/>
+                <a:cs typeface="Arial" charset="0"/>
+              </a:defRPr>
+            </a:lvl9pPr>
+          </a:lstStyle>
+          <a:p>
+            <a:pPr eaLnBrk="1" hangingPunct="1">
+              <a:tabLst>
+                <a:tab pos="6511925" algn="ctr"/>
+                <a:tab pos="8913813" algn="r"/>
+              </a:tabLst>
+            </a:pPr>
+            <a:r>
+              <a:rPr lang="en-GB" sz="900" dirty="0"/>
+              <a:t>Workshop on Computer Programming and Advanced Tools for Scientific Research Work</a:t>
+            </a:r>
+            <a:r>
+              <a:rPr lang="en-US" sz="900" dirty="0"/>
+              <a:t>	Manuel Proissl	</a:t>
+            </a:r>
+            <a:fld id="{D1FE0D4B-1F7D-4BCE-8D61-646A4526EF42}" type="slidenum">
+              <a:rPr lang="en-US" sz="900"/>
+              <a:pPr eaLnBrk="1" hangingPunct="1">
+                <a:tabLst>
+                  <a:tab pos="6511925" algn="ctr"/>
+                  <a:tab pos="8913813" algn="r"/>
+                </a:tabLst>
+              </a:pPr>
+              <a:t>8</a:t>
+            </a:fld>
+            <a:endParaRPr lang="en-US" sz="900" dirty="0"/>
+          </a:p>
+        </p:txBody>
+      </p:sp>
+      <p:pic>
+        <p:nvPicPr>
+          <p:cNvPr id="5" name="Picture 4"/>
+          <p:cNvPicPr>
+            <a:picLocks noChangeAspect="1"/>
+          </p:cNvPicPr>
+          <p:nvPr/>
+        </p:nvPicPr>
+        <p:blipFill>
+          <a:blip r:embed="rId2"/>
+          <a:stretch>
+            <a:fillRect/>
+          </a:stretch>
+        </p:blipFill>
+        <p:spPr>
+          <a:xfrm>
+            <a:off x="0" y="863600"/>
+            <a:ext cx="9144000" cy="5106873"/>
+          </a:xfrm>
+          <a:prstGeom prst="rect">
+            <a:avLst/>
+          </a:prstGeom>
+        </p:spPr>
+      </p:pic>
+    </p:spTree>
+    <p:extLst>
+      <p:ext uri="{BB962C8B-B14F-4D97-AF65-F5344CB8AC3E}">
+        <p14:creationId xmlns:p14="http://schemas.microsoft.com/office/powerpoint/2010/main" val="74571461"/>
+      </p:ext>
+    </p:extLst>
+  </p:cSld>
+  <p:clrMapOvr>
+    <a:masterClrMapping/>
+  </p:clrMapOvr>
+  <p:timing>
+    <p:tnLst>
+      <p:par>
+        <p:cTn xmlns:p14="http://schemas.microsoft.com/office/powerpoint/2010/main" id="1" dur="indefinite" restart="never" nodeType="tmRoot"/>
+      </p:par>
+    </p:tnLst>
+  </p:timing>
+</p:sld>
+</file>
+
+<file path=ppt/slides/slide9.xml><?xml version="1.0" encoding="utf-8"?>
+<p:sld xmlns:a="http://schemas.openxmlformats.org/drawingml/2006/main" xmlns:r="http://schemas.openxmlformats.org/officeDocument/2006/relationships" xmlns:p="http://schemas.openxmlformats.org/presentationml/2006/main">
+  <p:cSld>
+    <p:spTree>
+      <p:nvGrpSpPr>
+        <p:cNvPr id="1" name=""/>
+        <p:cNvGrpSpPr/>
+        <p:nvPr/>
+      </p:nvGrpSpPr>
+      <p:grpSpPr>
+        <a:xfrm>
+          <a:off x="0" y="0"/>
+          <a:ext cx="0" cy="0"/>
+          <a:chOff x="0" y="0"/>
+          <a:chExt cx="0" cy="0"/>
+        </a:xfrm>
+      </p:grpSpPr>
+      <p:sp>
+        <p:nvSpPr>
+          <p:cNvPr id="14" name="Rechteck 13"/>
+          <p:cNvSpPr/>
+          <p:nvPr/>
+        </p:nvSpPr>
+        <p:spPr>
+          <a:xfrm>
+            <a:off x="-6350" y="228600"/>
+            <a:ext cx="9150350" cy="685800"/>
+          </a:xfrm>
+          <a:prstGeom prst="rect">
+            <a:avLst/>
+          </a:prstGeom>
+          <a:solidFill>
+            <a:srgbClr val="FF9900"/>
+          </a:solidFill>
+          <a:ln>
+            <a:noFill/>
+          </a:ln>
+          <a:effectLst>
+            <a:outerShdw blurRad="50800" dist="38100" dir="2700000" algn="tl" rotWithShape="0">
+              <a:prstClr val="black">
+                <a:alpha val="40000"/>
+              </a:prstClr>
+            </a:outerShdw>
+          </a:effectLst>
+        </p:spPr>
+        <p:style>
+          <a:lnRef idx="2">
+            <a:schemeClr val="dk1">
+              <a:shade val="50000"/>
+            </a:schemeClr>
+          </a:lnRef>
+          <a:fillRef idx="1">
+            <a:schemeClr val="dk1"/>
+          </a:fillRef>
+          <a:effectRef idx="0">
+            <a:schemeClr val="dk1"/>
+          </a:effectRef>
+          <a:fontRef idx="minor">
+            <a:schemeClr val="lt1"/>
+          </a:fontRef>
+        </p:style>
+        <p:txBody>
+          <a:bodyPr rtlCol="0" anchor="ctr"/>
+          <a:lstStyle/>
+          <a:p>
+            <a:pPr algn="ctr"/>
+            <a:endParaRPr lang="en-US">
+              <a:solidFill>
+                <a:srgbClr val="FF9933"/>
+              </a:solidFill>
+            </a:endParaRPr>
+          </a:p>
+        </p:txBody>
+      </p:sp>
+      <p:sp>
+        <p:nvSpPr>
+          <p:cNvPr id="15" name="Rechteck 14"/>
+          <p:cNvSpPr/>
+          <p:nvPr/>
+        </p:nvSpPr>
+        <p:spPr>
+          <a:xfrm>
+            <a:off x="-6350" y="0"/>
+            <a:ext cx="9150350" cy="228600"/>
+          </a:xfrm>
+          <a:prstGeom prst="rect">
+            <a:avLst/>
+          </a:prstGeom>
+          <a:solidFill>
+            <a:schemeClr val="tx1"/>
+          </a:solidFill>
+          <a:ln>
+            <a:noFill/>
+          </a:ln>
+          <a:effectLst>
+            <a:outerShdw blurRad="50800" dist="38100" dir="2700000" algn="tl" rotWithShape="0">
+              <a:prstClr val="black">
+                <a:alpha val="40000"/>
+              </a:prstClr>
+            </a:outerShdw>
+          </a:effectLst>
+        </p:spPr>
+        <p:style>
+          <a:lnRef idx="2">
+            <a:schemeClr val="dk1">
+              <a:shade val="50000"/>
+            </a:schemeClr>
+          </a:lnRef>
+          <a:fillRef idx="1">
+            <a:schemeClr val="dk1"/>
+          </a:fillRef>
+          <a:effectRef idx="0">
+            <a:schemeClr val="dk1"/>
+          </a:effectRef>
+          <a:fontRef idx="minor">
+            <a:schemeClr val="lt1"/>
+          </a:fontRef>
+        </p:style>
+        <p:txBody>
+          <a:bodyPr rtlCol="0" anchor="ctr"/>
+          <a:lstStyle/>
+          <a:p>
+            <a:pPr algn="ctr"/>
+            <a:endParaRPr lang="en-US">
+              <a:solidFill>
+                <a:srgbClr val="FF9933"/>
+              </a:solidFill>
+            </a:endParaRPr>
+          </a:p>
+        </p:txBody>
+      </p:sp>
+      <p:sp>
+        <p:nvSpPr>
+          <p:cNvPr id="17" name="Rechteck 16"/>
+          <p:cNvSpPr/>
+          <p:nvPr/>
+        </p:nvSpPr>
+        <p:spPr>
+          <a:xfrm>
+            <a:off x="-6350" y="6629400"/>
+            <a:ext cx="9150350" cy="228600"/>
+          </a:xfrm>
+          <a:prstGeom prst="rect">
+            <a:avLst/>
+          </a:prstGeom>
+          <a:solidFill>
+            <a:srgbClr val="FF9900"/>
+          </a:solidFill>
+          <a:ln>
+            <a:noFill/>
+          </a:ln>
+          <a:effectLst>
+            <a:outerShdw blurRad="50800" dist="38100" dir="18900000" algn="bl" rotWithShape="0">
+              <a:prstClr val="black">
+                <a:alpha val="40000"/>
+              </a:prstClr>
+            </a:outerShdw>
+          </a:effectLst>
+        </p:spPr>
+        <p:style>
+          <a:lnRef idx="2">
+            <a:schemeClr val="dk1">
+              <a:shade val="50000"/>
+            </a:schemeClr>
+          </a:lnRef>
+          <a:fillRef idx="1">
+            <a:schemeClr val="dk1"/>
+          </a:fillRef>
+          <a:effectRef idx="0">
+            <a:schemeClr val="dk1"/>
+          </a:effectRef>
+          <a:fontRef idx="minor">
+            <a:schemeClr val="lt1"/>
+          </a:fontRef>
+        </p:style>
+        <p:txBody>
+          <a:bodyPr rtlCol="0" anchor="ctr"/>
+          <a:lstStyle/>
+          <a:p>
+            <a:pPr algn="ctr"/>
+            <a:endParaRPr lang="en-US">
+              <a:solidFill>
+                <a:srgbClr val="FF9933"/>
+              </a:solidFill>
+            </a:endParaRPr>
+          </a:p>
+        </p:txBody>
+      </p:sp>
+      <p:sp>
+        <p:nvSpPr>
+          <p:cNvPr id="2" name="Textfeld 1"/>
+          <p:cNvSpPr txBox="1"/>
+          <p:nvPr/>
+        </p:nvSpPr>
+        <p:spPr>
+          <a:xfrm>
+            <a:off x="0" y="268069"/>
+            <a:ext cx="9144000" cy="646331"/>
+          </a:xfrm>
+          <a:prstGeom prst="rect">
+            <a:avLst/>
+          </a:prstGeom>
+          <a:noFill/>
+        </p:spPr>
+        <p:txBody>
+          <a:bodyPr wrap="square" rtlCol="0">
+            <a:spAutoFit/>
+          </a:bodyPr>
+          <a:lstStyle/>
+          <a:p>
+            <a:r>
+              <a:rPr lang="en-US" sz="3600" b="1" cap="all" dirty="0" smtClean="0"/>
+              <a:t>Calculator CLASS</a:t>
+            </a:r>
+            <a:endParaRPr lang="en-US" sz="3600" b="1" cap="all" dirty="0"/>
+          </a:p>
+        </p:txBody>
+      </p:sp>
+      <p:sp>
+        <p:nvSpPr>
+          <p:cNvPr id="3" name="Textfeld 2"/>
+          <p:cNvSpPr txBox="1"/>
+          <p:nvPr/>
+        </p:nvSpPr>
+        <p:spPr>
+          <a:xfrm>
+            <a:off x="0" y="0"/>
+            <a:ext cx="8534400" cy="215444"/>
+          </a:xfrm>
+          <a:prstGeom prst="rect">
+            <a:avLst/>
+          </a:prstGeom>
+          <a:noFill/>
+        </p:spPr>
+        <p:txBody>
+          <a:bodyPr wrap="square" rtlCol="0">
+            <a:spAutoFit/>
+          </a:bodyPr>
+          <a:lstStyle/>
+          <a:p>
+            <a:r>
+              <a:rPr lang="it-IT" sz="800" b="1" cap="all" dirty="0" err="1" smtClean="0">
+                <a:solidFill>
+                  <a:schemeClr val="bg1"/>
+                </a:solidFill>
+              </a:rPr>
+              <a:t>MyMD</a:t>
+            </a:r>
+            <a:r>
+              <a:rPr lang="it-IT" sz="800" b="1" cap="all" dirty="0" smtClean="0">
+                <a:solidFill>
+                  <a:schemeClr val="bg1"/>
+                </a:solidFill>
+              </a:rPr>
+              <a:t>. A </a:t>
+            </a:r>
+            <a:r>
+              <a:rPr lang="it-IT" sz="800" b="1" cap="all" dirty="0" err="1" smtClean="0">
+                <a:solidFill>
+                  <a:schemeClr val="bg1"/>
+                </a:solidFill>
+              </a:rPr>
+              <a:t>program</a:t>
+            </a:r>
+            <a:r>
+              <a:rPr lang="it-IT" sz="800" b="1" cap="all" dirty="0" smtClean="0">
+                <a:solidFill>
+                  <a:schemeClr val="bg1"/>
+                </a:solidFill>
+              </a:rPr>
+              <a:t> with </a:t>
+            </a:r>
+            <a:r>
+              <a:rPr lang="it-IT" sz="800" b="1" cap="all" dirty="0" err="1" smtClean="0">
+                <a:solidFill>
+                  <a:schemeClr val="bg1"/>
+                </a:solidFill>
+              </a:rPr>
+              <a:t>potential</a:t>
+            </a:r>
+            <a:r>
+              <a:rPr lang="it-IT" sz="800" b="1" cap="all" dirty="0" smtClean="0">
+                <a:solidFill>
+                  <a:schemeClr val="bg1"/>
+                </a:solidFill>
+              </a:rPr>
+              <a:t>…</a:t>
+            </a:r>
+            <a:endParaRPr lang="en-US" sz="800" b="1" cap="all" dirty="0">
+              <a:solidFill>
+                <a:schemeClr val="bg1"/>
+              </a:solidFill>
+            </a:endParaRPr>
+          </a:p>
+        </p:txBody>
+      </p:sp>
+      <p:sp>
+        <p:nvSpPr>
+          <p:cNvPr id="18" name="TextBox 8"/>
+          <p:cNvSpPr txBox="1">
+            <a:spLocks noChangeArrowheads="1"/>
+          </p:cNvSpPr>
+          <p:nvPr/>
+        </p:nvSpPr>
+        <p:spPr bwMode="auto">
+          <a:xfrm>
+            <a:off x="0" y="6642100"/>
+            <a:ext cx="9144000" cy="230832"/>
+          </a:xfrm>
+          <a:prstGeom prst="rect">
+            <a:avLst/>
+          </a:prstGeom>
+          <a:noFill/>
+          <a:ln>
+            <a:noFill/>
+          </a:ln>
+          <a:extLst>
+            <a:ext uri="{909E8E84-426E-40dd-AFC4-6F175D3DCCD1}">
+              <a14:hiddenFill xmlns:a14="http://schemas.microsoft.com/office/drawing/2010/main">
+                <a:solidFill>
+                  <a:srgbClr val="FFFFFF"/>
+                </a:solidFill>
+              </a14:hiddenFill>
+            </a:ext>
+            <a:ext uri="{91240B29-F687-4f45-9708-019B960494DF}">
+              <a14:hiddenLine xmlns:a14="http://schemas.microsoft.com/office/drawing/2010/main" w="9525">
+                <a:solidFill>
+                  <a:srgbClr val="000000"/>
+                </a:solidFill>
+                <a:miter lim="800000"/>
+                <a:headEnd/>
+                <a:tailEnd/>
+              </a14:hiddenLine>
+            </a:ext>
+          </a:extLst>
+        </p:spPr>
+        <p:txBody>
+          <a:bodyPr>
+            <a:spAutoFit/>
+          </a:bodyPr>
+          <a:lstStyle>
+            <a:lvl1pPr eaLnBrk="0" hangingPunct="0">
+              <a:tabLst>
+                <a:tab pos="6232525" algn="ctr"/>
+                <a:tab pos="8913813" algn="r"/>
+              </a:tabLst>
+              <a:defRPr>
+                <a:solidFill>
+                  <a:schemeClr val="tx1"/>
+                </a:solidFill>
+                <a:latin typeface="Arial" charset="0"/>
+                <a:cs typeface="Arial" charset="0"/>
+              </a:defRPr>
+            </a:lvl1pPr>
+            <a:lvl2pPr marL="742950" indent="-285750" eaLnBrk="0" hangingPunct="0">
+              <a:tabLst>
+                <a:tab pos="6232525" algn="ctr"/>
+                <a:tab pos="8913813" algn="r"/>
+              </a:tabLst>
+              <a:defRPr>
+                <a:solidFill>
+                  <a:schemeClr val="tx1"/>
+                </a:solidFill>
+                <a:latin typeface="Arial" charset="0"/>
+                <a:cs typeface="Arial" charset="0"/>
+              </a:defRPr>
+            </a:lvl2pPr>
+            <a:lvl3pPr marL="1143000" indent="-228600" eaLnBrk="0" hangingPunct="0">
+              <a:tabLst>
+                <a:tab pos="6232525" algn="ctr"/>
+                <a:tab pos="8913813" algn="r"/>
+              </a:tabLst>
+              <a:defRPr>
+                <a:solidFill>
+                  <a:schemeClr val="tx1"/>
+                </a:solidFill>
+                <a:latin typeface="Arial" charset="0"/>
+                <a:cs typeface="Arial" charset="0"/>
+              </a:defRPr>
+            </a:lvl3pPr>
+            <a:lvl4pPr marL="1600200" indent="-228600" eaLnBrk="0" hangingPunct="0">
+              <a:tabLst>
+                <a:tab pos="6232525" algn="ctr"/>
+                <a:tab pos="8913813" algn="r"/>
+              </a:tabLst>
+              <a:defRPr>
+                <a:solidFill>
+                  <a:schemeClr val="tx1"/>
+                </a:solidFill>
+                <a:latin typeface="Arial" charset="0"/>
+                <a:cs typeface="Arial" charset="0"/>
+              </a:defRPr>
+            </a:lvl4pPr>
+            <a:lvl5pPr marL="2057400" indent="-228600" eaLnBrk="0" hangingPunct="0">
+              <a:tabLst>
+                <a:tab pos="6232525" algn="ctr"/>
+                <a:tab pos="8913813" algn="r"/>
+              </a:tabLst>
+              <a:defRPr>
+                <a:solidFill>
+                  <a:schemeClr val="tx1"/>
+                </a:solidFill>
+                <a:latin typeface="Arial" charset="0"/>
+                <a:cs typeface="Arial" charset="0"/>
+              </a:defRPr>
+            </a:lvl5pPr>
+            <a:lvl6pPr marL="2514600" indent="-228600" eaLnBrk="0" fontAlgn="base" hangingPunct="0">
+              <a:spcBef>
+                <a:spcPct val="0"/>
+              </a:spcBef>
+              <a:spcAft>
+                <a:spcPct val="0"/>
+              </a:spcAft>
+              <a:tabLst>
+                <a:tab pos="6232525" algn="ctr"/>
+                <a:tab pos="8913813" algn="r"/>
+              </a:tabLst>
+              <a:defRPr>
+                <a:solidFill>
+                  <a:schemeClr val="tx1"/>
+                </a:solidFill>
+                <a:latin typeface="Arial" charset="0"/>
+                <a:cs typeface="Arial" charset="0"/>
+              </a:defRPr>
+            </a:lvl6pPr>
+            <a:lvl7pPr marL="2971800" indent="-228600" eaLnBrk="0" fontAlgn="base" hangingPunct="0">
+              <a:spcBef>
+                <a:spcPct val="0"/>
+              </a:spcBef>
+              <a:spcAft>
+                <a:spcPct val="0"/>
+              </a:spcAft>
+              <a:tabLst>
+                <a:tab pos="6232525" algn="ctr"/>
+                <a:tab pos="8913813" algn="r"/>
+              </a:tabLst>
+              <a:defRPr>
+                <a:solidFill>
+                  <a:schemeClr val="tx1"/>
+                </a:solidFill>
+                <a:latin typeface="Arial" charset="0"/>
+                <a:cs typeface="Arial" charset="0"/>
+              </a:defRPr>
+            </a:lvl7pPr>
+            <a:lvl8pPr marL="3429000" indent="-228600" eaLnBrk="0" fontAlgn="base" hangingPunct="0">
+              <a:spcBef>
+                <a:spcPct val="0"/>
+              </a:spcBef>
+              <a:spcAft>
+                <a:spcPct val="0"/>
+              </a:spcAft>
+              <a:tabLst>
+                <a:tab pos="6232525" algn="ctr"/>
+                <a:tab pos="8913813" algn="r"/>
+              </a:tabLst>
+              <a:defRPr>
+                <a:solidFill>
+                  <a:schemeClr val="tx1"/>
+                </a:solidFill>
+                <a:latin typeface="Arial" charset="0"/>
+                <a:cs typeface="Arial" charset="0"/>
+              </a:defRPr>
+            </a:lvl8pPr>
+            <a:lvl9pPr marL="3886200" indent="-228600" eaLnBrk="0" fontAlgn="base" hangingPunct="0">
+              <a:spcBef>
+                <a:spcPct val="0"/>
+              </a:spcBef>
+              <a:spcAft>
+                <a:spcPct val="0"/>
+              </a:spcAft>
+              <a:tabLst>
+                <a:tab pos="6232525" algn="ctr"/>
+                <a:tab pos="8913813" algn="r"/>
+              </a:tabLst>
+              <a:defRPr>
+                <a:solidFill>
+                  <a:schemeClr val="tx1"/>
+                </a:solidFill>
+                <a:latin typeface="Arial" charset="0"/>
+                <a:cs typeface="Arial" charset="0"/>
+              </a:defRPr>
+            </a:lvl9pPr>
+          </a:lstStyle>
+          <a:p>
+            <a:pPr eaLnBrk="1" hangingPunct="1">
+              <a:tabLst>
+                <a:tab pos="6511925" algn="ctr"/>
+                <a:tab pos="8913813" algn="r"/>
+              </a:tabLst>
+            </a:pPr>
+            <a:r>
+              <a:rPr lang="en-GB" sz="900" dirty="0"/>
+              <a:t>Workshop on Computer Programming and Advanced Tools for Scientific Research Work</a:t>
+            </a:r>
+            <a:r>
+              <a:rPr lang="en-US" sz="900" dirty="0"/>
+              <a:t>	Manuel Proissl	</a:t>
+            </a:r>
+            <a:fld id="{D1FE0D4B-1F7D-4BCE-8D61-646A4526EF42}" type="slidenum">
+              <a:rPr lang="en-US" sz="900"/>
+              <a:pPr eaLnBrk="1" hangingPunct="1">
+                <a:tabLst>
+                  <a:tab pos="6511925" algn="ctr"/>
+                  <a:tab pos="8913813" algn="r"/>
+                </a:tabLst>
+              </a:pPr>
+              <a:t>9</a:t>
+            </a:fld>
+            <a:endParaRPr lang="en-US" sz="900" dirty="0"/>
+          </a:p>
+        </p:txBody>
+      </p:sp>
+      <p:pic>
+        <p:nvPicPr>
+          <p:cNvPr id="7" name="Picture 6"/>
+          <p:cNvPicPr>
+            <a:picLocks noChangeAspect="1"/>
+          </p:cNvPicPr>
+          <p:nvPr/>
+        </p:nvPicPr>
+        <p:blipFill>
+          <a:blip r:embed="rId2"/>
+          <a:stretch>
+            <a:fillRect/>
+          </a:stretch>
+        </p:blipFill>
+        <p:spPr>
+          <a:xfrm>
+            <a:off x="228600" y="1066800"/>
+            <a:ext cx="8686800" cy="5137257"/>
+          </a:xfrm>
+          <a:prstGeom prst="rect">
+            <a:avLst/>
+          </a:prstGeom>
+        </p:spPr>
+      </p:pic>
+    </p:spTree>
+    <p:extLst>
+      <p:ext uri="{BB962C8B-B14F-4D97-AF65-F5344CB8AC3E}">
+        <p14:creationId xmlns:p14="http://schemas.microsoft.com/office/powerpoint/2010/main" val="3718796352"/>
+      </p:ext>
+    </p:extLst>
+  </p:cSld>
+  <p:clrMapOvr>
+    <a:masterClrMapping/>
+  </p:clrMapOvr>
+  <p:timing>
+    <p:tnLst>
+      <p:par>
+        <p:cTn xmlns:p14="http://schemas.microsoft.com/office/powerpoint/2010/main" id="1" dur="indefinite" restart="never" nodeType="tmRoot"/>
       </p:par>
     </p:tnLst>
   </p:timing>
